--- a/Lab-s/Patterns/Decorator/Presentation.pptx
+++ b/Lab-s/Patterns/Decorator/Presentation.pptx
@@ -13,10 +13,21 @@
     <p:sldId id="261" r:id="rId7"/>
     <p:sldId id="263" r:id="rId8"/>
     <p:sldId id="268" r:id="rId9"/>
-    <p:sldId id="264" r:id="rId10"/>
-    <p:sldId id="265" r:id="rId11"/>
-    <p:sldId id="266" r:id="rId12"/>
-    <p:sldId id="267" r:id="rId13"/>
+    <p:sldId id="269" r:id="rId10"/>
+    <p:sldId id="270" r:id="rId11"/>
+    <p:sldId id="271" r:id="rId12"/>
+    <p:sldId id="272" r:id="rId13"/>
+    <p:sldId id="273" r:id="rId14"/>
+    <p:sldId id="274" r:id="rId15"/>
+    <p:sldId id="275" r:id="rId16"/>
+    <p:sldId id="276" r:id="rId17"/>
+    <p:sldId id="277" r:id="rId18"/>
+    <p:sldId id="278" r:id="rId19"/>
+    <p:sldId id="264" r:id="rId20"/>
+    <p:sldId id="265" r:id="rId21"/>
+    <p:sldId id="266" r:id="rId22"/>
+    <p:sldId id="267" r:id="rId23"/>
+    <p:sldId id="280" r:id="rId24"/>
   </p:sldIdLst>
   <p:sldSz cx="12192000" cy="6858000"/>
   <p:notesSz cx="6858000" cy="9144000"/>
@@ -117,7 +128,7 @@
   </p:defaultTextStyle>
   <p:extLst>
     <p:ext uri="{EFAFB233-063F-42B5-8137-9DF3F51BA10A}">
-      <p15:sldGuideLst xmlns:p15="http://schemas.microsoft.com/office/powerpoint/2012/main"/>
+      <p15:sldGuideLst xmlns:p15="http://schemas.microsoft.com/office/powerpoint/2012/main" xmlns=""/>
     </p:ext>
   </p:extLst>
 </p:presentation>
@@ -288,7 +299,7 @@
               <a:rPr lang="ru-RU" smtClean="0"/>
               <a:t>20.02.2024</a:t>
             </a:fld>
-            <a:endParaRPr lang="ru-RU"/>
+            <a:endParaRPr lang="ru-RU" dirty="0"/>
           </a:p>
         </p:txBody>
       </p:sp>
@@ -307,7 +318,7 @@
           <a:bodyPr/>
           <a:lstStyle/>
           <a:p>
-            <a:endParaRPr lang="ru-RU"/>
+            <a:endParaRPr lang="ru-RU" dirty="0"/>
           </a:p>
         </p:txBody>
       </p:sp>
@@ -330,7 +341,7 @@
               <a:rPr lang="ru-RU" smtClean="0"/>
               <a:t>‹#›</a:t>
             </a:fld>
-            <a:endParaRPr lang="ru-RU"/>
+            <a:endParaRPr lang="ru-RU" dirty="0"/>
           </a:p>
         </p:txBody>
       </p:sp>
@@ -458,7 +469,7 @@
               <a:rPr lang="ru-RU" smtClean="0"/>
               <a:t>20.02.2024</a:t>
             </a:fld>
-            <a:endParaRPr lang="ru-RU"/>
+            <a:endParaRPr lang="ru-RU" dirty="0"/>
           </a:p>
         </p:txBody>
       </p:sp>
@@ -477,7 +488,7 @@
           <a:bodyPr/>
           <a:lstStyle/>
           <a:p>
-            <a:endParaRPr lang="ru-RU"/>
+            <a:endParaRPr lang="ru-RU" dirty="0"/>
           </a:p>
         </p:txBody>
       </p:sp>
@@ -500,7 +511,7 @@
               <a:rPr lang="ru-RU" smtClean="0"/>
               <a:t>‹#›</a:t>
             </a:fld>
-            <a:endParaRPr lang="ru-RU"/>
+            <a:endParaRPr lang="ru-RU" dirty="0"/>
           </a:p>
         </p:txBody>
       </p:sp>
@@ -638,7 +649,7 @@
               <a:rPr lang="ru-RU" smtClean="0"/>
               <a:t>20.02.2024</a:t>
             </a:fld>
-            <a:endParaRPr lang="ru-RU"/>
+            <a:endParaRPr lang="ru-RU" dirty="0"/>
           </a:p>
         </p:txBody>
       </p:sp>
@@ -657,7 +668,7 @@
           <a:bodyPr/>
           <a:lstStyle/>
           <a:p>
-            <a:endParaRPr lang="ru-RU"/>
+            <a:endParaRPr lang="ru-RU" dirty="0"/>
           </a:p>
         </p:txBody>
       </p:sp>
@@ -680,7 +691,7 @@
               <a:rPr lang="ru-RU" smtClean="0"/>
               <a:t>‹#›</a:t>
             </a:fld>
-            <a:endParaRPr lang="ru-RU"/>
+            <a:endParaRPr lang="ru-RU" dirty="0"/>
           </a:p>
         </p:txBody>
       </p:sp>
@@ -808,7 +819,7 @@
               <a:rPr lang="ru-RU" smtClean="0"/>
               <a:t>20.02.2024</a:t>
             </a:fld>
-            <a:endParaRPr lang="ru-RU"/>
+            <a:endParaRPr lang="ru-RU" dirty="0"/>
           </a:p>
         </p:txBody>
       </p:sp>
@@ -827,7 +838,7 @@
           <a:bodyPr/>
           <a:lstStyle/>
           <a:p>
-            <a:endParaRPr lang="ru-RU"/>
+            <a:endParaRPr lang="ru-RU" dirty="0"/>
           </a:p>
         </p:txBody>
       </p:sp>
@@ -850,7 +861,7 @@
               <a:rPr lang="ru-RU" smtClean="0"/>
               <a:t>‹#›</a:t>
             </a:fld>
-            <a:endParaRPr lang="ru-RU"/>
+            <a:endParaRPr lang="ru-RU" dirty="0"/>
           </a:p>
         </p:txBody>
       </p:sp>
@@ -1076,7 +1087,7 @@
               <a:rPr lang="ru-RU" smtClean="0"/>
               <a:t>20.02.2024</a:t>
             </a:fld>
-            <a:endParaRPr lang="ru-RU"/>
+            <a:endParaRPr lang="ru-RU" dirty="0"/>
           </a:p>
         </p:txBody>
       </p:sp>
@@ -1095,7 +1106,7 @@
           <a:bodyPr/>
           <a:lstStyle/>
           <a:p>
-            <a:endParaRPr lang="ru-RU"/>
+            <a:endParaRPr lang="ru-RU" dirty="0"/>
           </a:p>
         </p:txBody>
       </p:sp>
@@ -1118,7 +1129,7 @@
               <a:rPr lang="ru-RU" smtClean="0"/>
               <a:t>‹#›</a:t>
             </a:fld>
-            <a:endParaRPr lang="ru-RU"/>
+            <a:endParaRPr lang="ru-RU" dirty="0"/>
           </a:p>
         </p:txBody>
       </p:sp>
@@ -1308,7 +1319,7 @@
               <a:rPr lang="ru-RU" smtClean="0"/>
               <a:t>20.02.2024</a:t>
             </a:fld>
-            <a:endParaRPr lang="ru-RU"/>
+            <a:endParaRPr lang="ru-RU" dirty="0"/>
           </a:p>
         </p:txBody>
       </p:sp>
@@ -1327,7 +1338,7 @@
           <a:bodyPr/>
           <a:lstStyle/>
           <a:p>
-            <a:endParaRPr lang="ru-RU"/>
+            <a:endParaRPr lang="ru-RU" dirty="0"/>
           </a:p>
         </p:txBody>
       </p:sp>
@@ -1350,7 +1361,7 @@
               <a:rPr lang="ru-RU" smtClean="0"/>
               <a:t>‹#›</a:t>
             </a:fld>
-            <a:endParaRPr lang="ru-RU"/>
+            <a:endParaRPr lang="ru-RU" dirty="0"/>
           </a:p>
         </p:txBody>
       </p:sp>
@@ -1667,7 +1678,7 @@
               <a:rPr lang="ru-RU" smtClean="0"/>
               <a:t>20.02.2024</a:t>
             </a:fld>
-            <a:endParaRPr lang="ru-RU"/>
+            <a:endParaRPr lang="ru-RU" dirty="0"/>
           </a:p>
         </p:txBody>
       </p:sp>
@@ -1686,7 +1697,7 @@
           <a:bodyPr/>
           <a:lstStyle/>
           <a:p>
-            <a:endParaRPr lang="ru-RU"/>
+            <a:endParaRPr lang="ru-RU" dirty="0"/>
           </a:p>
         </p:txBody>
       </p:sp>
@@ -1709,7 +1720,7 @@
               <a:rPr lang="ru-RU" smtClean="0"/>
               <a:t>‹#›</a:t>
             </a:fld>
-            <a:endParaRPr lang="ru-RU"/>
+            <a:endParaRPr lang="ru-RU" dirty="0"/>
           </a:p>
         </p:txBody>
       </p:sp>
@@ -1808,7 +1819,7 @@
               <a:rPr lang="ru-RU" smtClean="0"/>
               <a:t>20.02.2024</a:t>
             </a:fld>
-            <a:endParaRPr lang="ru-RU"/>
+            <a:endParaRPr lang="ru-RU" dirty="0"/>
           </a:p>
         </p:txBody>
       </p:sp>
@@ -1827,7 +1838,7 @@
           <a:bodyPr/>
           <a:lstStyle/>
           <a:p>
-            <a:endParaRPr lang="ru-RU"/>
+            <a:endParaRPr lang="ru-RU" dirty="0"/>
           </a:p>
         </p:txBody>
       </p:sp>
@@ -1850,7 +1861,7 @@
               <a:rPr lang="ru-RU" smtClean="0"/>
               <a:t>‹#›</a:t>
             </a:fld>
-            <a:endParaRPr lang="ru-RU"/>
+            <a:endParaRPr lang="ru-RU" dirty="0"/>
           </a:p>
         </p:txBody>
       </p:sp>
@@ -1903,7 +1914,7 @@
               <a:rPr lang="ru-RU" smtClean="0"/>
               <a:t>20.02.2024</a:t>
             </a:fld>
-            <a:endParaRPr lang="ru-RU"/>
+            <a:endParaRPr lang="ru-RU" dirty="0"/>
           </a:p>
         </p:txBody>
       </p:sp>
@@ -1922,7 +1933,7 @@
           <a:bodyPr/>
           <a:lstStyle/>
           <a:p>
-            <a:endParaRPr lang="ru-RU"/>
+            <a:endParaRPr lang="ru-RU" dirty="0"/>
           </a:p>
         </p:txBody>
       </p:sp>
@@ -1945,7 +1956,7 @@
               <a:rPr lang="ru-RU" smtClean="0"/>
               <a:t>‹#›</a:t>
             </a:fld>
-            <a:endParaRPr lang="ru-RU"/>
+            <a:endParaRPr lang="ru-RU" dirty="0"/>
           </a:p>
         </p:txBody>
       </p:sp>
@@ -2260,7 +2271,7 @@
               <a:rPr lang="ru-RU" smtClean="0"/>
               <a:t>20.02.2024</a:t>
             </a:fld>
-            <a:endParaRPr lang="ru-RU"/>
+            <a:endParaRPr lang="ru-RU" dirty="0"/>
           </a:p>
         </p:txBody>
       </p:sp>
@@ -2294,7 +2305,7 @@
             </a:lvl1pPr>
           </a:lstStyle>
           <a:p>
-            <a:endParaRPr lang="ru-RU"/>
+            <a:endParaRPr lang="ru-RU" dirty="0"/>
           </a:p>
         </p:txBody>
       </p:sp>
@@ -2317,7 +2328,7 @@
               <a:rPr lang="ru-RU" smtClean="0"/>
               <a:t>‹#›</a:t>
             </a:fld>
-            <a:endParaRPr lang="ru-RU"/>
+            <a:endParaRPr lang="ru-RU" dirty="0"/>
           </a:p>
         </p:txBody>
       </p:sp>
@@ -2505,7 +2516,7 @@
           </a:lstStyle>
           <a:p>
             <a:r>
-              <a:rPr lang="ru-RU"/>
+              <a:rPr lang="ru-RU" dirty="0"/>
               <a:t>Вставка рисунка</a:t>
             </a:r>
             <a:endParaRPr lang="en-US" dirty="0"/>
@@ -2617,7 +2628,7 @@
               <a:rPr lang="ru-RU" smtClean="0"/>
               <a:t>20.02.2024</a:t>
             </a:fld>
-            <a:endParaRPr lang="ru-RU"/>
+            <a:endParaRPr lang="ru-RU" dirty="0"/>
           </a:p>
         </p:txBody>
       </p:sp>
@@ -2651,7 +2662,7 @@
             </a:lvl1pPr>
           </a:lstStyle>
           <a:p>
-            <a:endParaRPr lang="ru-RU"/>
+            <a:endParaRPr lang="ru-RU" dirty="0"/>
           </a:p>
         </p:txBody>
       </p:sp>
@@ -2674,7 +2685,7 @@
               <a:rPr lang="ru-RU" smtClean="0"/>
               <a:t>‹#›</a:t>
             </a:fld>
-            <a:endParaRPr lang="ru-RU"/>
+            <a:endParaRPr lang="ru-RU" dirty="0"/>
           </a:p>
         </p:txBody>
       </p:sp>
@@ -2859,7 +2870,7 @@
               <a:rPr lang="ru-RU" smtClean="0"/>
               <a:t>20.02.2024</a:t>
             </a:fld>
-            <a:endParaRPr lang="ru-RU"/>
+            <a:endParaRPr lang="ru-RU" dirty="0"/>
           </a:p>
         </p:txBody>
       </p:sp>
@@ -2896,7 +2907,7 @@
             </a:lvl1pPr>
           </a:lstStyle>
           <a:p>
-            <a:endParaRPr lang="ru-RU"/>
+            <a:endParaRPr lang="ru-RU" dirty="0"/>
           </a:p>
         </p:txBody>
       </p:sp>
@@ -2942,7 +2953,7 @@
               <a:rPr lang="ru-RU" smtClean="0"/>
               <a:t>‹#›</a:t>
             </a:fld>
-            <a:endParaRPr lang="ru-RU"/>
+            <a:endParaRPr lang="ru-RU" dirty="0"/>
           </a:p>
         </p:txBody>
       </p:sp>
@@ -3314,7 +3325,7 @@
           <p:cNvPr id="2" name="Заголовок 1">
             <a:extLst>
               <a:ext uri="{FF2B5EF4-FFF2-40B4-BE49-F238E27FC236}">
-                <a16:creationId xmlns:a16="http://schemas.microsoft.com/office/drawing/2014/main" id="{EDA58893-0BAF-49E1-A32C-157A5FFAF35F}"/>
+                <a16:creationId xmlns:a16="http://schemas.microsoft.com/office/drawing/2014/main" xmlns="" id="{EDA58893-0BAF-49E1-A32C-157A5FFAF35F}"/>
               </a:ext>
             </a:extLst>
           </p:cNvPr>
@@ -3342,7 +3353,7 @@
           <p:cNvPr id="3" name="Подзаголовок 2">
             <a:extLst>
               <a:ext uri="{FF2B5EF4-FFF2-40B4-BE49-F238E27FC236}">
-                <a16:creationId xmlns:a16="http://schemas.microsoft.com/office/drawing/2014/main" id="{ED30793A-3040-4405-BC32-CF6FC51796CE}"/>
+                <a16:creationId xmlns:a16="http://schemas.microsoft.com/office/drawing/2014/main" xmlns="" id="{ED30793A-3040-4405-BC32-CF6FC51796CE}"/>
               </a:ext>
             </a:extLst>
           </p:cNvPr>
@@ -3358,7 +3369,7 @@
           <a:bodyPr/>
           <a:lstStyle/>
           <a:p>
-            <a:endParaRPr lang="ru-RU"/>
+            <a:endParaRPr lang="ru-RU" dirty="0"/>
           </a:p>
         </p:txBody>
       </p:sp>
@@ -3372,6 +3383,13 @@
   <p:clrMapOvr>
     <a:masterClrMapping/>
   </p:clrMapOvr>
+  <p:timing>
+    <p:tnLst>
+      <p:par>
+        <p:cTn id="1" dur="indefinite" restart="never" nodeType="tmRoot"/>
+      </p:par>
+    </p:tnLst>
+  </p:timing>
 </p:sld>
 </file>
 
@@ -3394,10 +3412,990 @@
       </p:grpSpPr>
       <p:sp>
         <p:nvSpPr>
+          <p:cNvPr id="4" name="Заголовок 3">
+            <a:extLst>
+              <a:ext uri="{FF2B5EF4-FFF2-40B4-BE49-F238E27FC236}">
+                <a16:creationId xmlns:a16="http://schemas.microsoft.com/office/drawing/2014/main" xmlns="" id="{C9CA75C5-F154-40F3-986C-CB4E599373A7}"/>
+              </a:ext>
+            </a:extLst>
+          </p:cNvPr>
+          <p:cNvSpPr>
+            <a:spLocks noGrp="1"/>
+          </p:cNvSpPr>
+          <p:nvPr>
+            <p:ph type="title"/>
+          </p:nvPr>
+        </p:nvSpPr>
+        <p:spPr/>
+        <p:txBody>
+          <a:bodyPr/>
+          <a:lstStyle/>
+          <a:p>
+            <a:r>
+              <a:rPr lang="ru-RU" dirty="0" smtClean="0"/>
+              <a:t>Реализация. 1</a:t>
+            </a:r>
+            <a:endParaRPr lang="ru-RU" dirty="0"/>
+          </a:p>
+        </p:txBody>
+      </p:sp>
+      <p:sp>
+        <p:nvSpPr>
+          <p:cNvPr id="5" name="Объект 4">
+            <a:extLst>
+              <a:ext uri="{FF2B5EF4-FFF2-40B4-BE49-F238E27FC236}">
+                <a16:creationId xmlns:a16="http://schemas.microsoft.com/office/drawing/2014/main" xmlns="" id="{2963A4F1-7BCB-45B3-A5A7-062D30025818}"/>
+              </a:ext>
+            </a:extLst>
+          </p:cNvPr>
+          <p:cNvSpPr>
+            <a:spLocks noGrp="1"/>
+          </p:cNvSpPr>
+          <p:nvPr>
+            <p:ph idx="1"/>
+          </p:nvPr>
+        </p:nvSpPr>
+        <p:spPr/>
+        <p:txBody>
+          <a:bodyPr anchor="ctr"/>
+          <a:lstStyle/>
+          <a:p>
+            <a:r>
+              <a:rPr lang="ru-RU" b="0" i="0" dirty="0" smtClean="0">
+                <a:solidFill>
+                  <a:srgbClr val="202122"/>
+                </a:solidFill>
+                <a:effectLst/>
+              </a:rPr>
+              <a:t>Определяем исходный компонент, реализующий определенную базовую функциональность.</a:t>
+            </a:r>
+          </a:p>
+          <a:p>
+            <a:r>
+              <a:rPr lang="ru-RU" dirty="0" smtClean="0">
+                <a:solidFill>
+                  <a:srgbClr val="202122"/>
+                </a:solidFill>
+              </a:rPr>
+              <a:t>Функциональность может быть нулевой.</a:t>
+            </a:r>
+            <a:endParaRPr lang="en-US" b="0" i="0" dirty="0">
+              <a:solidFill>
+                <a:srgbClr val="202122"/>
+              </a:solidFill>
+              <a:effectLst/>
+            </a:endParaRPr>
+          </a:p>
+        </p:txBody>
+      </p:sp>
+      <p:sp>
+        <p:nvSpPr>
+          <p:cNvPr id="6" name="Текст 5">
+            <a:extLst>
+              <a:ext uri="{FF2B5EF4-FFF2-40B4-BE49-F238E27FC236}">
+                <a16:creationId xmlns:a16="http://schemas.microsoft.com/office/drawing/2014/main" xmlns="" id="{24B1A662-1EAA-4966-A101-71745294B004}"/>
+              </a:ext>
+            </a:extLst>
+          </p:cNvPr>
+          <p:cNvSpPr>
+            <a:spLocks noGrp="1"/>
+          </p:cNvSpPr>
+          <p:nvPr>
+            <p:ph type="body" sz="half" idx="2"/>
+          </p:nvPr>
+        </p:nvSpPr>
+        <p:spPr/>
+        <p:txBody>
+          <a:bodyPr/>
+          <a:lstStyle/>
+          <a:p>
+            <a:endParaRPr lang="ru-RU"/>
+          </a:p>
+        </p:txBody>
+      </p:sp>
+    </p:spTree>
+    <p:extLst>
+      <p:ext uri="{BB962C8B-B14F-4D97-AF65-F5344CB8AC3E}">
+        <p14:creationId xmlns:p14="http://schemas.microsoft.com/office/powerpoint/2010/main" val="3162832557"/>
+      </p:ext>
+    </p:extLst>
+  </p:cSld>
+  <p:clrMapOvr>
+    <a:masterClrMapping/>
+  </p:clrMapOvr>
+  <p:timing>
+    <p:tnLst>
+      <p:par>
+        <p:cTn id="1" dur="indefinite" restart="never" nodeType="tmRoot"/>
+      </p:par>
+    </p:tnLst>
+  </p:timing>
+</p:sld>
+</file>
+
+<file path=ppt/slides/slide11.xml><?xml version="1.0" encoding="utf-8"?>
+<p:sld xmlns:a="http://schemas.openxmlformats.org/drawingml/2006/main" xmlns:r="http://schemas.openxmlformats.org/officeDocument/2006/relationships" xmlns:p="http://schemas.openxmlformats.org/presentationml/2006/main">
+  <p:cSld>
+    <p:spTree>
+      <p:nvGrpSpPr>
+        <p:cNvPr id="1" name=""/>
+        <p:cNvGrpSpPr/>
+        <p:nvPr/>
+      </p:nvGrpSpPr>
+      <p:grpSpPr>
+        <a:xfrm>
+          <a:off x="0" y="0"/>
+          <a:ext cx="0" cy="0"/>
+          <a:chOff x="0" y="0"/>
+          <a:chExt cx="0" cy="0"/>
+        </a:xfrm>
+      </p:grpSpPr>
+      <p:sp>
+        <p:nvSpPr>
+          <p:cNvPr id="4" name="Заголовок 3">
+            <a:extLst>
+              <a:ext uri="{FF2B5EF4-FFF2-40B4-BE49-F238E27FC236}">
+                <a16:creationId xmlns:a16="http://schemas.microsoft.com/office/drawing/2014/main" xmlns="" id="{C9CA75C5-F154-40F3-986C-CB4E599373A7}"/>
+              </a:ext>
+            </a:extLst>
+          </p:cNvPr>
+          <p:cNvSpPr>
+            <a:spLocks noGrp="1"/>
+          </p:cNvSpPr>
+          <p:nvPr>
+            <p:ph type="title"/>
+          </p:nvPr>
+        </p:nvSpPr>
+        <p:spPr/>
+        <p:txBody>
+          <a:bodyPr/>
+          <a:lstStyle/>
+          <a:p>
+            <a:r>
+              <a:rPr lang="ru-RU" dirty="0" smtClean="0"/>
+              <a:t>Реализация. 2</a:t>
+            </a:r>
+            <a:endParaRPr lang="ru-RU" dirty="0"/>
+          </a:p>
+        </p:txBody>
+      </p:sp>
+      <p:sp>
+        <p:nvSpPr>
+          <p:cNvPr id="5" name="Объект 4">
+            <a:extLst>
+              <a:ext uri="{FF2B5EF4-FFF2-40B4-BE49-F238E27FC236}">
+                <a16:creationId xmlns:a16="http://schemas.microsoft.com/office/drawing/2014/main" xmlns="" id="{2963A4F1-7BCB-45B3-A5A7-062D30025818}"/>
+              </a:ext>
+            </a:extLst>
+          </p:cNvPr>
+          <p:cNvSpPr>
+            <a:spLocks noGrp="1"/>
+          </p:cNvSpPr>
+          <p:nvPr>
+            <p:ph idx="1"/>
+          </p:nvPr>
+        </p:nvSpPr>
+        <p:spPr/>
+        <p:txBody>
+          <a:bodyPr anchor="ctr"/>
+          <a:lstStyle/>
+          <a:p>
+            <a:r>
+              <a:rPr lang="ru-RU" dirty="0" smtClean="0">
+                <a:solidFill>
+                  <a:srgbClr val="202122"/>
+                </a:solidFill>
+              </a:rPr>
+              <a:t>Определяем декораторы (дочерние классы от </a:t>
+            </a:r>
+            <a:r>
+              <a:rPr lang="en-US" dirty="0" err="1" smtClean="0">
+                <a:solidFill>
+                  <a:srgbClr val="202122"/>
+                </a:solidFill>
+              </a:rPr>
+              <a:t>IDecorator</a:t>
+            </a:r>
+            <a:r>
+              <a:rPr lang="ru-RU" dirty="0" smtClean="0">
+                <a:solidFill>
+                  <a:srgbClr val="202122"/>
+                </a:solidFill>
+              </a:rPr>
+              <a:t>) и реализуем в них дополнительную функциональность для компонента.</a:t>
+            </a:r>
+            <a:endParaRPr lang="en-US" b="0" i="0" dirty="0">
+              <a:solidFill>
+                <a:srgbClr val="202122"/>
+              </a:solidFill>
+              <a:effectLst/>
+            </a:endParaRPr>
+          </a:p>
+        </p:txBody>
+      </p:sp>
+      <p:sp>
+        <p:nvSpPr>
+          <p:cNvPr id="6" name="Текст 5">
+            <a:extLst>
+              <a:ext uri="{FF2B5EF4-FFF2-40B4-BE49-F238E27FC236}">
+                <a16:creationId xmlns:a16="http://schemas.microsoft.com/office/drawing/2014/main" xmlns="" id="{24B1A662-1EAA-4966-A101-71745294B004}"/>
+              </a:ext>
+            </a:extLst>
+          </p:cNvPr>
+          <p:cNvSpPr>
+            <a:spLocks noGrp="1"/>
+          </p:cNvSpPr>
+          <p:nvPr>
+            <p:ph type="body" sz="half" idx="2"/>
+          </p:nvPr>
+        </p:nvSpPr>
+        <p:spPr/>
+        <p:txBody>
+          <a:bodyPr/>
+          <a:lstStyle/>
+          <a:p>
+            <a:endParaRPr lang="ru-RU"/>
+          </a:p>
+        </p:txBody>
+      </p:sp>
+    </p:spTree>
+    <p:extLst>
+      <p:ext uri="{BB962C8B-B14F-4D97-AF65-F5344CB8AC3E}">
+        <p14:creationId xmlns:p14="http://schemas.microsoft.com/office/powerpoint/2010/main" val="1821971164"/>
+      </p:ext>
+    </p:extLst>
+  </p:cSld>
+  <p:clrMapOvr>
+    <a:masterClrMapping/>
+  </p:clrMapOvr>
+  <p:timing>
+    <p:tnLst>
+      <p:par>
+        <p:cTn id="1" dur="indefinite" restart="never" nodeType="tmRoot"/>
+      </p:par>
+    </p:tnLst>
+  </p:timing>
+</p:sld>
+</file>
+
+<file path=ppt/slides/slide12.xml><?xml version="1.0" encoding="utf-8"?>
+<p:sld xmlns:a="http://schemas.openxmlformats.org/drawingml/2006/main" xmlns:r="http://schemas.openxmlformats.org/officeDocument/2006/relationships" xmlns:p="http://schemas.openxmlformats.org/presentationml/2006/main">
+  <p:cSld>
+    <p:spTree>
+      <p:nvGrpSpPr>
+        <p:cNvPr id="1" name=""/>
+        <p:cNvGrpSpPr/>
+        <p:nvPr/>
+      </p:nvGrpSpPr>
+      <p:grpSpPr>
+        <a:xfrm>
+          <a:off x="0" y="0"/>
+          <a:ext cx="0" cy="0"/>
+          <a:chOff x="0" y="0"/>
+          <a:chExt cx="0" cy="0"/>
+        </a:xfrm>
+      </p:grpSpPr>
+      <p:sp>
+        <p:nvSpPr>
+          <p:cNvPr id="4" name="Заголовок 3">
+            <a:extLst>
+              <a:ext uri="{FF2B5EF4-FFF2-40B4-BE49-F238E27FC236}">
+                <a16:creationId xmlns:a16="http://schemas.microsoft.com/office/drawing/2014/main" xmlns="" id="{C9CA75C5-F154-40F3-986C-CB4E599373A7}"/>
+              </a:ext>
+            </a:extLst>
+          </p:cNvPr>
+          <p:cNvSpPr>
+            <a:spLocks noGrp="1"/>
+          </p:cNvSpPr>
+          <p:nvPr>
+            <p:ph type="title"/>
+          </p:nvPr>
+        </p:nvSpPr>
+        <p:spPr/>
+        <p:txBody>
+          <a:bodyPr/>
+          <a:lstStyle/>
+          <a:p>
+            <a:r>
+              <a:rPr lang="ru-RU" dirty="0" smtClean="0"/>
+              <a:t>Реализация. 3</a:t>
+            </a:r>
+            <a:endParaRPr lang="ru-RU" dirty="0"/>
+          </a:p>
+        </p:txBody>
+      </p:sp>
+      <p:sp>
+        <p:nvSpPr>
+          <p:cNvPr id="5" name="Объект 4">
+            <a:extLst>
+              <a:ext uri="{FF2B5EF4-FFF2-40B4-BE49-F238E27FC236}">
+                <a16:creationId xmlns:a16="http://schemas.microsoft.com/office/drawing/2014/main" xmlns="" id="{2963A4F1-7BCB-45B3-A5A7-062D30025818}"/>
+              </a:ext>
+            </a:extLst>
+          </p:cNvPr>
+          <p:cNvSpPr>
+            <a:spLocks noGrp="1"/>
+          </p:cNvSpPr>
+          <p:nvPr>
+            <p:ph idx="1"/>
+          </p:nvPr>
+        </p:nvSpPr>
+        <p:spPr/>
+        <p:txBody>
+          <a:bodyPr anchor="ctr"/>
+          <a:lstStyle/>
+          <a:p>
+            <a:r>
+              <a:rPr lang="ru-RU" b="0" i="0" dirty="0" smtClean="0">
+                <a:solidFill>
+                  <a:srgbClr val="202122"/>
+                </a:solidFill>
+                <a:effectLst/>
+              </a:rPr>
+              <a:t>Используем дополнительну</a:t>
+            </a:r>
+            <a:r>
+              <a:rPr lang="ru-RU" dirty="0" smtClean="0">
+                <a:solidFill>
+                  <a:srgbClr val="202122"/>
+                </a:solidFill>
+              </a:rPr>
+              <a:t>ю реализацию через декораторы по мере необходимости.</a:t>
+            </a:r>
+            <a:endParaRPr lang="en-US" b="0" i="0" dirty="0">
+              <a:solidFill>
+                <a:srgbClr val="202122"/>
+              </a:solidFill>
+              <a:effectLst/>
+            </a:endParaRPr>
+          </a:p>
+        </p:txBody>
+      </p:sp>
+      <p:sp>
+        <p:nvSpPr>
+          <p:cNvPr id="6" name="Текст 5">
+            <a:extLst>
+              <a:ext uri="{FF2B5EF4-FFF2-40B4-BE49-F238E27FC236}">
+                <a16:creationId xmlns:a16="http://schemas.microsoft.com/office/drawing/2014/main" xmlns="" id="{24B1A662-1EAA-4966-A101-71745294B004}"/>
+              </a:ext>
+            </a:extLst>
+          </p:cNvPr>
+          <p:cNvSpPr>
+            <a:spLocks noGrp="1"/>
+          </p:cNvSpPr>
+          <p:nvPr>
+            <p:ph type="body" sz="half" idx="2"/>
+          </p:nvPr>
+        </p:nvSpPr>
+        <p:spPr/>
+        <p:txBody>
+          <a:bodyPr/>
+          <a:lstStyle/>
+          <a:p>
+            <a:endParaRPr lang="ru-RU"/>
+          </a:p>
+        </p:txBody>
+      </p:sp>
+    </p:spTree>
+    <p:extLst>
+      <p:ext uri="{BB962C8B-B14F-4D97-AF65-F5344CB8AC3E}">
+        <p14:creationId xmlns:p14="http://schemas.microsoft.com/office/powerpoint/2010/main" val="1243101231"/>
+      </p:ext>
+    </p:extLst>
+  </p:cSld>
+  <p:clrMapOvr>
+    <a:masterClrMapping/>
+  </p:clrMapOvr>
+  <p:timing>
+    <p:tnLst>
+      <p:par>
+        <p:cTn id="1" dur="indefinite" restart="never" nodeType="tmRoot"/>
+      </p:par>
+    </p:tnLst>
+  </p:timing>
+</p:sld>
+</file>
+
+<file path=ppt/slides/slide13.xml><?xml version="1.0" encoding="utf-8"?>
+<p:sld xmlns:a="http://schemas.openxmlformats.org/drawingml/2006/main" xmlns:r="http://schemas.openxmlformats.org/officeDocument/2006/relationships" xmlns:p="http://schemas.openxmlformats.org/presentationml/2006/main">
+  <p:cSld>
+    <p:spTree>
+      <p:nvGrpSpPr>
+        <p:cNvPr id="1" name=""/>
+        <p:cNvGrpSpPr/>
+        <p:nvPr/>
+      </p:nvGrpSpPr>
+      <p:grpSpPr>
+        <a:xfrm>
+          <a:off x="0" y="0"/>
+          <a:ext cx="0" cy="0"/>
+          <a:chOff x="0" y="0"/>
+          <a:chExt cx="0" cy="0"/>
+        </a:xfrm>
+      </p:grpSpPr>
+      <p:sp>
+        <p:nvSpPr>
+          <p:cNvPr id="5" name="Заголовок 4"/>
+          <p:cNvSpPr>
+            <a:spLocks noGrp="1"/>
+          </p:cNvSpPr>
+          <p:nvPr>
+            <p:ph type="title"/>
+          </p:nvPr>
+        </p:nvSpPr>
+        <p:spPr/>
+        <p:txBody>
+          <a:bodyPr/>
+          <a:lstStyle/>
+          <a:p>
+            <a:r>
+              <a:rPr lang="ru-RU" dirty="0" err="1" smtClean="0"/>
+              <a:t>СТруктура</a:t>
+            </a:r>
+            <a:endParaRPr lang="ru-RU" dirty="0"/>
+          </a:p>
+        </p:txBody>
+      </p:sp>
+      <p:sp>
+        <p:nvSpPr>
+          <p:cNvPr id="6" name="Текст 5"/>
+          <p:cNvSpPr>
+            <a:spLocks noGrp="1"/>
+          </p:cNvSpPr>
+          <p:nvPr>
+            <p:ph type="body" idx="1"/>
+          </p:nvPr>
+        </p:nvSpPr>
+        <p:spPr/>
+        <p:txBody>
+          <a:bodyPr/>
+          <a:lstStyle/>
+          <a:p>
+            <a:endParaRPr lang="ru-RU"/>
+          </a:p>
+        </p:txBody>
+      </p:sp>
+    </p:spTree>
+    <p:extLst>
+      <p:ext uri="{BB962C8B-B14F-4D97-AF65-F5344CB8AC3E}">
+        <p14:creationId xmlns:p14="http://schemas.microsoft.com/office/powerpoint/2010/main" val="1292252641"/>
+      </p:ext>
+    </p:extLst>
+  </p:cSld>
+  <p:clrMapOvr>
+    <a:masterClrMapping/>
+  </p:clrMapOvr>
+  <p:timing>
+    <p:tnLst>
+      <p:par>
+        <p:cTn id="1" dur="indefinite" restart="never" nodeType="tmRoot"/>
+      </p:par>
+    </p:tnLst>
+  </p:timing>
+</p:sld>
+</file>
+
+<file path=ppt/slides/slide14.xml><?xml version="1.0" encoding="utf-8"?>
+<p:sld xmlns:a="http://schemas.openxmlformats.org/drawingml/2006/main" xmlns:r="http://schemas.openxmlformats.org/officeDocument/2006/relationships" xmlns:p="http://schemas.openxmlformats.org/presentationml/2006/main">
+  <p:cSld>
+    <p:spTree>
+      <p:nvGrpSpPr>
+        <p:cNvPr id="1" name=""/>
+        <p:cNvGrpSpPr/>
+        <p:nvPr/>
+      </p:nvGrpSpPr>
+      <p:grpSpPr>
+        <a:xfrm>
+          <a:off x="0" y="0"/>
+          <a:ext cx="0" cy="0"/>
+          <a:chOff x="0" y="0"/>
+          <a:chExt cx="0" cy="0"/>
+        </a:xfrm>
+      </p:grpSpPr>
+      <p:sp>
+        <p:nvSpPr>
+          <p:cNvPr id="4" name="Заголовок 3"/>
+          <p:cNvSpPr>
+            <a:spLocks noGrp="1"/>
+          </p:cNvSpPr>
+          <p:nvPr>
+            <p:ph type="title"/>
+          </p:nvPr>
+        </p:nvSpPr>
+        <p:spPr/>
+        <p:txBody>
+          <a:bodyPr/>
+          <a:lstStyle/>
+          <a:p>
+            <a:r>
+              <a:rPr lang="ru-RU" dirty="0" smtClean="0"/>
+              <a:t>Структура. Общая</a:t>
+            </a:r>
+            <a:endParaRPr lang="ru-RU" dirty="0"/>
+          </a:p>
+        </p:txBody>
+      </p:sp>
+      <p:pic>
+        <p:nvPicPr>
+          <p:cNvPr id="1031" name="Picture 7" descr="C:\Users\User\AppData\Local\Microsoft\Windows\INetCache\IE\UOP3EOHQ\400px-Decorator_UML_class_diagram.svg[1].png"/>
+          <p:cNvPicPr>
+            <a:picLocks noGrp="1" noChangeAspect="1" noChangeArrowheads="1"/>
+          </p:cNvPicPr>
+          <p:nvPr>
+            <p:ph idx="1"/>
+          </p:nvPr>
+        </p:nvPicPr>
+        <p:blipFill>
+          <a:blip r:embed="rId2">
+            <a:extLst>
+              <a:ext uri="{28A0092B-C50C-407E-A947-70E740481C1C}">
+                <a14:useLocalDpi xmlns:a14="http://schemas.microsoft.com/office/drawing/2010/main" val="0"/>
+              </a:ext>
+            </a:extLst>
+          </a:blip>
+          <a:srcRect/>
+          <a:stretch>
+            <a:fillRect/>
+          </a:stretch>
+        </p:blipFill>
+        <p:spPr bwMode="auto">
+          <a:xfrm>
+            <a:off x="4191000" y="2679700"/>
+            <a:ext cx="3810000" cy="3019425"/>
+          </a:xfrm>
+          <a:prstGeom prst="rect">
+            <a:avLst/>
+          </a:prstGeom>
+          <a:noFill/>
+          <a:extLst>
+            <a:ext uri="{909E8E84-426E-40DD-AFC4-6F175D3DCCD1}">
+              <a14:hiddenFill xmlns:a14="http://schemas.microsoft.com/office/drawing/2010/main">
+                <a:solidFill>
+                  <a:srgbClr val="FFFFFF"/>
+                </a:solidFill>
+              </a14:hiddenFill>
+            </a:ext>
+          </a:extLst>
+        </p:spPr>
+      </p:pic>
+    </p:spTree>
+    <p:extLst>
+      <p:ext uri="{BB962C8B-B14F-4D97-AF65-F5344CB8AC3E}">
+        <p14:creationId xmlns:p14="http://schemas.microsoft.com/office/powerpoint/2010/main" val="1494625156"/>
+      </p:ext>
+    </p:extLst>
+  </p:cSld>
+  <p:clrMapOvr>
+    <a:masterClrMapping/>
+  </p:clrMapOvr>
+  <p:timing>
+    <p:tnLst>
+      <p:par>
+        <p:cTn id="1" dur="indefinite" restart="never" nodeType="tmRoot"/>
+      </p:par>
+    </p:tnLst>
+  </p:timing>
+</p:sld>
+</file>
+
+<file path=ppt/slides/slide15.xml><?xml version="1.0" encoding="utf-8"?>
+<p:sld xmlns:a="http://schemas.openxmlformats.org/drawingml/2006/main" xmlns:r="http://schemas.openxmlformats.org/officeDocument/2006/relationships" xmlns:p="http://schemas.openxmlformats.org/presentationml/2006/main">
+  <p:cSld>
+    <p:spTree>
+      <p:nvGrpSpPr>
+        <p:cNvPr id="1" name=""/>
+        <p:cNvGrpSpPr/>
+        <p:nvPr/>
+      </p:nvGrpSpPr>
+      <p:grpSpPr>
+        <a:xfrm>
+          <a:off x="0" y="0"/>
+          <a:ext cx="0" cy="0"/>
+          <a:chOff x="0" y="0"/>
+          <a:chExt cx="0" cy="0"/>
+        </a:xfrm>
+      </p:grpSpPr>
+      <p:sp>
+        <p:nvSpPr>
+          <p:cNvPr id="4" name="Заголовок 3"/>
+          <p:cNvSpPr>
+            <a:spLocks noGrp="1"/>
+          </p:cNvSpPr>
+          <p:nvPr>
+            <p:ph type="title"/>
+          </p:nvPr>
+        </p:nvSpPr>
+        <p:spPr/>
+        <p:txBody>
+          <a:bodyPr/>
+          <a:lstStyle/>
+          <a:p>
+            <a:r>
+              <a:rPr lang="ru-RU" dirty="0" smtClean="0"/>
+              <a:t>Структура. Компонент</a:t>
+            </a:r>
+            <a:endParaRPr lang="ru-RU" dirty="0"/>
+          </a:p>
+        </p:txBody>
+      </p:sp>
+      <p:pic>
+        <p:nvPicPr>
+          <p:cNvPr id="6" name="Объект 5"/>
+          <p:cNvPicPr>
+            <a:picLocks noGrp="1" noChangeAspect="1"/>
+          </p:cNvPicPr>
+          <p:nvPr>
+            <p:ph sz="half" idx="2"/>
+          </p:nvPr>
+        </p:nvPicPr>
+        <p:blipFill>
+          <a:blip r:embed="rId2">
+            <a:extLst>
+              <a:ext uri="{28A0092B-C50C-407E-A947-70E740481C1C}">
+                <a14:useLocalDpi xmlns:a14="http://schemas.microsoft.com/office/drawing/2010/main" val="0"/>
+              </a:ext>
+            </a:extLst>
+          </a:blip>
+          <a:stretch>
+            <a:fillRect/>
+          </a:stretch>
+        </p:blipFill>
+        <p:spPr>
+          <a:xfrm>
+            <a:off x="6338888" y="2982567"/>
+            <a:ext cx="4270375" cy="2413690"/>
+          </a:xfrm>
+        </p:spPr>
+      </p:pic>
+      <p:pic>
+        <p:nvPicPr>
+          <p:cNvPr id="5" name="Объект 4"/>
+          <p:cNvPicPr>
+            <a:picLocks noGrp="1" noChangeAspect="1"/>
+          </p:cNvPicPr>
+          <p:nvPr>
+            <p:ph sz="half" idx="1"/>
+          </p:nvPr>
+        </p:nvPicPr>
+        <p:blipFill>
+          <a:blip r:embed="rId3">
+            <a:extLst>
+              <a:ext uri="{28A0092B-C50C-407E-A947-70E740481C1C}">
+                <a14:useLocalDpi xmlns:a14="http://schemas.microsoft.com/office/drawing/2010/main" val="0"/>
+              </a:ext>
+            </a:extLst>
+          </a:blip>
+          <a:stretch>
+            <a:fillRect/>
+          </a:stretch>
+        </p:blipFill>
+        <p:spPr>
+          <a:xfrm>
+            <a:off x="1581150" y="3137303"/>
+            <a:ext cx="4271963" cy="2104219"/>
+          </a:xfrm>
+        </p:spPr>
+      </p:pic>
+    </p:spTree>
+    <p:extLst>
+      <p:ext uri="{BB962C8B-B14F-4D97-AF65-F5344CB8AC3E}">
+        <p14:creationId xmlns:p14="http://schemas.microsoft.com/office/powerpoint/2010/main" val="709818713"/>
+      </p:ext>
+    </p:extLst>
+  </p:cSld>
+  <p:clrMapOvr>
+    <a:masterClrMapping/>
+  </p:clrMapOvr>
+  <p:timing>
+    <p:tnLst>
+      <p:par>
+        <p:cTn id="1" dur="indefinite" restart="never" nodeType="tmRoot"/>
+      </p:par>
+    </p:tnLst>
+  </p:timing>
+</p:sld>
+</file>
+
+<file path=ppt/slides/slide16.xml><?xml version="1.0" encoding="utf-8"?>
+<p:sld xmlns:a="http://schemas.openxmlformats.org/drawingml/2006/main" xmlns:r="http://schemas.openxmlformats.org/officeDocument/2006/relationships" xmlns:p="http://schemas.openxmlformats.org/presentationml/2006/main">
+  <p:cSld>
+    <p:spTree>
+      <p:nvGrpSpPr>
+        <p:cNvPr id="1" name=""/>
+        <p:cNvGrpSpPr/>
+        <p:nvPr/>
+      </p:nvGrpSpPr>
+      <p:grpSpPr>
+        <a:xfrm>
+          <a:off x="0" y="0"/>
+          <a:ext cx="0" cy="0"/>
+          <a:chOff x="0" y="0"/>
+          <a:chExt cx="0" cy="0"/>
+        </a:xfrm>
+      </p:grpSpPr>
+      <p:sp>
+        <p:nvSpPr>
+          <p:cNvPr id="4" name="Заголовок 3"/>
+          <p:cNvSpPr>
+            <a:spLocks noGrp="1"/>
+          </p:cNvSpPr>
+          <p:nvPr>
+            <p:ph type="title"/>
+          </p:nvPr>
+        </p:nvSpPr>
+        <p:spPr/>
+        <p:txBody>
+          <a:bodyPr/>
+          <a:lstStyle/>
+          <a:p>
+            <a:r>
+              <a:rPr lang="ru-RU" dirty="0" smtClean="0"/>
+              <a:t>Структура. Декоратор</a:t>
+            </a:r>
+            <a:endParaRPr lang="ru-RU" dirty="0"/>
+          </a:p>
+        </p:txBody>
+      </p:sp>
+      <p:pic>
+        <p:nvPicPr>
+          <p:cNvPr id="11" name="Объект 10"/>
+          <p:cNvPicPr>
+            <a:picLocks noGrp="1" noChangeAspect="1"/>
+          </p:cNvPicPr>
+          <p:nvPr>
+            <p:ph idx="1"/>
+          </p:nvPr>
+        </p:nvPicPr>
+        <p:blipFill>
+          <a:blip r:embed="rId2">
+            <a:extLst>
+              <a:ext uri="{28A0092B-C50C-407E-A947-70E740481C1C}">
+                <a14:useLocalDpi xmlns:a14="http://schemas.microsoft.com/office/drawing/2010/main" val="0"/>
+              </a:ext>
+            </a:extLst>
+          </a:blip>
+          <a:stretch>
+            <a:fillRect/>
+          </a:stretch>
+        </p:blipFill>
+        <p:spPr>
+          <a:xfrm>
+            <a:off x="2340494" y="2638425"/>
+            <a:ext cx="7511013" cy="3101975"/>
+          </a:xfrm>
+        </p:spPr>
+      </p:pic>
+    </p:spTree>
+    <p:extLst>
+      <p:ext uri="{BB962C8B-B14F-4D97-AF65-F5344CB8AC3E}">
+        <p14:creationId xmlns:p14="http://schemas.microsoft.com/office/powerpoint/2010/main" val="3564307308"/>
+      </p:ext>
+    </p:extLst>
+  </p:cSld>
+  <p:clrMapOvr>
+    <a:masterClrMapping/>
+  </p:clrMapOvr>
+  <p:timing>
+    <p:tnLst>
+      <p:par>
+        <p:cTn id="1" dur="indefinite" restart="never" nodeType="tmRoot"/>
+      </p:par>
+    </p:tnLst>
+  </p:timing>
+</p:sld>
+</file>
+
+<file path=ppt/slides/slide17.xml><?xml version="1.0" encoding="utf-8"?>
+<p:sld xmlns:a="http://schemas.openxmlformats.org/drawingml/2006/main" xmlns:r="http://schemas.openxmlformats.org/officeDocument/2006/relationships" xmlns:p="http://schemas.openxmlformats.org/presentationml/2006/main">
+  <p:cSld>
+    <p:spTree>
+      <p:nvGrpSpPr>
+        <p:cNvPr id="1" name=""/>
+        <p:cNvGrpSpPr/>
+        <p:nvPr/>
+      </p:nvGrpSpPr>
+      <p:grpSpPr>
+        <a:xfrm>
+          <a:off x="0" y="0"/>
+          <a:ext cx="0" cy="0"/>
+          <a:chOff x="0" y="0"/>
+          <a:chExt cx="0" cy="0"/>
+        </a:xfrm>
+      </p:grpSpPr>
+      <p:sp>
+        <p:nvSpPr>
+          <p:cNvPr id="4" name="Заголовок 3"/>
+          <p:cNvSpPr>
+            <a:spLocks noGrp="1"/>
+          </p:cNvSpPr>
+          <p:nvPr>
+            <p:ph type="title"/>
+          </p:nvPr>
+        </p:nvSpPr>
+        <p:spPr/>
+        <p:txBody>
+          <a:bodyPr/>
+          <a:lstStyle/>
+          <a:p>
+            <a:r>
+              <a:rPr lang="ru-RU" dirty="0" smtClean="0"/>
+              <a:t>Структура. Декоратор</a:t>
+            </a:r>
+            <a:endParaRPr lang="ru-RU" dirty="0"/>
+          </a:p>
+        </p:txBody>
+      </p:sp>
+      <p:pic>
+        <p:nvPicPr>
+          <p:cNvPr id="6" name="Объект 5"/>
+          <p:cNvPicPr>
+            <a:picLocks noGrp="1" noChangeAspect="1"/>
+          </p:cNvPicPr>
+          <p:nvPr>
+            <p:ph idx="1"/>
+          </p:nvPr>
+        </p:nvPicPr>
+        <p:blipFill>
+          <a:blip r:embed="rId2">
+            <a:extLst>
+              <a:ext uri="{28A0092B-C50C-407E-A947-70E740481C1C}">
+                <a14:useLocalDpi xmlns:a14="http://schemas.microsoft.com/office/drawing/2010/main" val="0"/>
+              </a:ext>
+            </a:extLst>
+          </a:blip>
+          <a:stretch>
+            <a:fillRect/>
+          </a:stretch>
+        </p:blipFill>
+        <p:spPr>
+          <a:xfrm>
+            <a:off x="2888362" y="2638425"/>
+            <a:ext cx="6415276" cy="3101975"/>
+          </a:xfrm>
+        </p:spPr>
+      </p:pic>
+    </p:spTree>
+    <p:extLst>
+      <p:ext uri="{BB962C8B-B14F-4D97-AF65-F5344CB8AC3E}">
+        <p14:creationId xmlns:p14="http://schemas.microsoft.com/office/powerpoint/2010/main" val="1129919003"/>
+      </p:ext>
+    </p:extLst>
+  </p:cSld>
+  <p:clrMapOvr>
+    <a:masterClrMapping/>
+  </p:clrMapOvr>
+  <p:timing>
+    <p:tnLst>
+      <p:par>
+        <p:cTn id="1" dur="indefinite" restart="never" nodeType="tmRoot"/>
+      </p:par>
+    </p:tnLst>
+  </p:timing>
+</p:sld>
+</file>
+
+<file path=ppt/slides/slide18.xml><?xml version="1.0" encoding="utf-8"?>
+<p:sld xmlns:a="http://schemas.openxmlformats.org/drawingml/2006/main" xmlns:r="http://schemas.openxmlformats.org/officeDocument/2006/relationships" xmlns:p="http://schemas.openxmlformats.org/presentationml/2006/main">
+  <p:cSld>
+    <p:spTree>
+      <p:nvGrpSpPr>
+        <p:cNvPr id="1" name=""/>
+        <p:cNvGrpSpPr/>
+        <p:nvPr/>
+      </p:nvGrpSpPr>
+      <p:grpSpPr>
+        <a:xfrm>
+          <a:off x="0" y="0"/>
+          <a:ext cx="0" cy="0"/>
+          <a:chOff x="0" y="0"/>
+          <a:chExt cx="0" cy="0"/>
+        </a:xfrm>
+      </p:grpSpPr>
+      <p:sp>
+        <p:nvSpPr>
+          <p:cNvPr id="4" name="Заголовок 3"/>
+          <p:cNvSpPr>
+            <a:spLocks noGrp="1"/>
+          </p:cNvSpPr>
+          <p:nvPr>
+            <p:ph type="title"/>
+          </p:nvPr>
+        </p:nvSpPr>
+        <p:spPr/>
+        <p:txBody>
+          <a:bodyPr/>
+          <a:lstStyle/>
+          <a:p>
+            <a:r>
+              <a:rPr lang="ru-RU" dirty="0" smtClean="0"/>
+              <a:t>Пример использования</a:t>
+            </a:r>
+            <a:endParaRPr lang="ru-RU" dirty="0"/>
+          </a:p>
+        </p:txBody>
+      </p:sp>
+      <p:sp>
+        <p:nvSpPr>
+          <p:cNvPr id="5" name="Текст 4"/>
+          <p:cNvSpPr>
+            <a:spLocks noGrp="1"/>
+          </p:cNvSpPr>
+          <p:nvPr>
+            <p:ph type="body" idx="1"/>
+          </p:nvPr>
+        </p:nvSpPr>
+        <p:spPr/>
+        <p:txBody>
+          <a:bodyPr/>
+          <a:lstStyle/>
+          <a:p>
+            <a:endParaRPr lang="ru-RU"/>
+          </a:p>
+        </p:txBody>
+      </p:sp>
+    </p:spTree>
+    <p:extLst>
+      <p:ext uri="{BB962C8B-B14F-4D97-AF65-F5344CB8AC3E}">
+        <p14:creationId xmlns:p14="http://schemas.microsoft.com/office/powerpoint/2010/main" val="3957361803"/>
+      </p:ext>
+    </p:extLst>
+  </p:cSld>
+  <p:clrMapOvr>
+    <a:masterClrMapping/>
+  </p:clrMapOvr>
+  <p:timing>
+    <p:tnLst>
+      <p:par>
+        <p:cTn id="1" dur="indefinite" restart="never" nodeType="tmRoot"/>
+      </p:par>
+    </p:tnLst>
+  </p:timing>
+</p:sld>
+</file>
+
+<file path=ppt/slides/slide19.xml><?xml version="1.0" encoding="utf-8"?>
+<p:sld xmlns:a="http://schemas.openxmlformats.org/drawingml/2006/main" xmlns:r="http://schemas.openxmlformats.org/officeDocument/2006/relationships" xmlns:p="http://schemas.openxmlformats.org/presentationml/2006/main">
+  <p:cSld>
+    <p:spTree>
+      <p:nvGrpSpPr>
+        <p:cNvPr id="1" name=""/>
+        <p:cNvGrpSpPr/>
+        <p:nvPr/>
+      </p:nvGrpSpPr>
+      <p:grpSpPr>
+        <a:xfrm>
+          <a:off x="0" y="0"/>
+          <a:ext cx="0" cy="0"/>
+          <a:chOff x="0" y="0"/>
+          <a:chExt cx="0" cy="0"/>
+        </a:xfrm>
+      </p:grpSpPr>
+      <p:sp>
+        <p:nvSpPr>
           <p:cNvPr id="10" name="Заголовок 9">
             <a:extLst>
               <a:ext uri="{FF2B5EF4-FFF2-40B4-BE49-F238E27FC236}">
-                <a16:creationId xmlns:a16="http://schemas.microsoft.com/office/drawing/2014/main" id="{802E7923-B17C-4C6E-9395-05B988143F9F}"/>
+                <a16:creationId xmlns:a16="http://schemas.microsoft.com/office/drawing/2014/main" xmlns="" id="{802E7923-B17C-4C6E-9395-05B988143F9F}"/>
               </a:ext>
             </a:extLst>
           </p:cNvPr>
@@ -3413,6 +4411,226 @@
           <a:bodyPr/>
           <a:lstStyle/>
           <a:p>
+            <a:r>
+              <a:rPr lang="ru-RU" dirty="0" smtClean="0"/>
+              <a:t>Пример использования. Внешнее представление. 1</a:t>
+            </a:r>
+            <a:endParaRPr lang="ru-RU" dirty="0"/>
+          </a:p>
+        </p:txBody>
+      </p:sp>
+      <p:pic>
+        <p:nvPicPr>
+          <p:cNvPr id="16" name="Объект 15">
+            <a:extLst>
+              <a:ext uri="{FF2B5EF4-FFF2-40B4-BE49-F238E27FC236}">
+                <a16:creationId xmlns:a16="http://schemas.microsoft.com/office/drawing/2014/main" xmlns="" id="{B1FC8934-3443-4D21-816A-1B82E343926B}"/>
+              </a:ext>
+            </a:extLst>
+          </p:cNvPr>
+          <p:cNvPicPr>
+            <a:picLocks noGrp="1" noChangeAspect="1"/>
+          </p:cNvPicPr>
+          <p:nvPr>
+            <p:ph idx="1"/>
+          </p:nvPr>
+        </p:nvPicPr>
+        <p:blipFill>
+          <a:blip r:embed="rId2"/>
+          <a:stretch>
+            <a:fillRect/>
+          </a:stretch>
+        </p:blipFill>
+        <p:spPr>
+          <a:xfrm>
+            <a:off x="4083816" y="2638425"/>
+            <a:ext cx="4024368" cy="3101975"/>
+          </a:xfrm>
+        </p:spPr>
+      </p:pic>
+    </p:spTree>
+    <p:extLst>
+      <p:ext uri="{BB962C8B-B14F-4D97-AF65-F5344CB8AC3E}">
+        <p14:creationId xmlns:p14="http://schemas.microsoft.com/office/powerpoint/2010/main" val="2050366804"/>
+      </p:ext>
+    </p:extLst>
+  </p:cSld>
+  <p:clrMapOvr>
+    <a:masterClrMapping/>
+  </p:clrMapOvr>
+  <p:timing>
+    <p:tnLst>
+      <p:par>
+        <p:cTn id="1" dur="indefinite" restart="never" nodeType="tmRoot"/>
+      </p:par>
+    </p:tnLst>
+  </p:timing>
+</p:sld>
+</file>
+
+<file path=ppt/slides/slide2.xml><?xml version="1.0" encoding="utf-8"?>
+<p:sld xmlns:a="http://schemas.openxmlformats.org/drawingml/2006/main" xmlns:r="http://schemas.openxmlformats.org/officeDocument/2006/relationships" xmlns:p="http://schemas.openxmlformats.org/presentationml/2006/main">
+  <p:cSld>
+    <p:spTree>
+      <p:nvGrpSpPr>
+        <p:cNvPr id="1" name=""/>
+        <p:cNvGrpSpPr/>
+        <p:nvPr/>
+      </p:nvGrpSpPr>
+      <p:grpSpPr>
+        <a:xfrm>
+          <a:off x="0" y="0"/>
+          <a:ext cx="0" cy="0"/>
+          <a:chOff x="0" y="0"/>
+          <a:chExt cx="0" cy="0"/>
+        </a:xfrm>
+      </p:grpSpPr>
+      <p:sp>
+        <p:nvSpPr>
+          <p:cNvPr id="2" name="Заголовок 1">
+            <a:extLst>
+              <a:ext uri="{FF2B5EF4-FFF2-40B4-BE49-F238E27FC236}">
+                <a16:creationId xmlns:a16="http://schemas.microsoft.com/office/drawing/2014/main" xmlns="" id="{24EA6CA9-109C-42E4-879F-C27817E9C296}"/>
+              </a:ext>
+            </a:extLst>
+          </p:cNvPr>
+          <p:cNvSpPr>
+            <a:spLocks noGrp="1"/>
+          </p:cNvSpPr>
+          <p:nvPr>
+            <p:ph type="title"/>
+          </p:nvPr>
+        </p:nvSpPr>
+        <p:spPr/>
+        <p:txBody>
+          <a:bodyPr/>
+          <a:lstStyle/>
+          <a:p>
+            <a:r>
+              <a:rPr lang="ru-RU" dirty="0"/>
+              <a:t>Определение</a:t>
+            </a:r>
+          </a:p>
+        </p:txBody>
+      </p:sp>
+      <p:sp>
+        <p:nvSpPr>
+          <p:cNvPr id="3" name="Объект 2">
+            <a:extLst>
+              <a:ext uri="{FF2B5EF4-FFF2-40B4-BE49-F238E27FC236}">
+                <a16:creationId xmlns:a16="http://schemas.microsoft.com/office/drawing/2014/main" xmlns="" id="{63A9983E-F379-44FD-812B-7BF16FF1AF74}"/>
+              </a:ext>
+            </a:extLst>
+          </p:cNvPr>
+          <p:cNvSpPr>
+            <a:spLocks noGrp="1"/>
+          </p:cNvSpPr>
+          <p:nvPr>
+            <p:ph idx="1"/>
+          </p:nvPr>
+        </p:nvSpPr>
+        <p:spPr/>
+        <p:txBody>
+          <a:bodyPr>
+            <a:normAutofit/>
+          </a:bodyPr>
+          <a:lstStyle/>
+          <a:p>
+            <a:r>
+              <a:rPr lang="ru-RU" sz="2000" dirty="0"/>
+              <a:t>Декоратор (англ. </a:t>
+            </a:r>
+            <a:r>
+              <a:rPr lang="en-US" sz="2000" dirty="0"/>
+              <a:t>decorator/wrapper</a:t>
+            </a:r>
+            <a:r>
+              <a:rPr lang="ru-RU" sz="2000" dirty="0"/>
+              <a:t>)</a:t>
+            </a:r>
+            <a:r>
+              <a:rPr lang="en-US" sz="2000" dirty="0"/>
+              <a:t> </a:t>
+            </a:r>
+            <a:r>
+              <a:rPr lang="ru-RU" sz="2000" dirty="0"/>
+              <a:t>– структурный язык проектирования, предназначенный для динамического подключения дополнительного поведения к объекту.</a:t>
+            </a:r>
+          </a:p>
+          <a:p>
+            <a:r>
+              <a:rPr lang="ru-RU" sz="2000" dirty="0"/>
+              <a:t>Данный шаблон предоставляет гибкую альтернативу практике создания подклассов с целью расширения функциональности.</a:t>
+            </a:r>
+          </a:p>
+        </p:txBody>
+      </p:sp>
+    </p:spTree>
+    <p:extLst>
+      <p:ext uri="{BB962C8B-B14F-4D97-AF65-F5344CB8AC3E}">
+        <p14:creationId xmlns:p14="http://schemas.microsoft.com/office/powerpoint/2010/main" val="2243976627"/>
+      </p:ext>
+    </p:extLst>
+  </p:cSld>
+  <p:clrMapOvr>
+    <a:masterClrMapping/>
+  </p:clrMapOvr>
+  <p:timing>
+    <p:tnLst>
+      <p:par>
+        <p:cTn id="1" dur="indefinite" restart="never" nodeType="tmRoot"/>
+      </p:par>
+    </p:tnLst>
+  </p:timing>
+</p:sld>
+</file>
+
+<file path=ppt/slides/slide20.xml><?xml version="1.0" encoding="utf-8"?>
+<p:sld xmlns:a="http://schemas.openxmlformats.org/drawingml/2006/main" xmlns:r="http://schemas.openxmlformats.org/officeDocument/2006/relationships" xmlns:p="http://schemas.openxmlformats.org/presentationml/2006/main">
+  <p:cSld>
+    <p:spTree>
+      <p:nvGrpSpPr>
+        <p:cNvPr id="1" name=""/>
+        <p:cNvGrpSpPr/>
+        <p:nvPr/>
+      </p:nvGrpSpPr>
+      <p:grpSpPr>
+        <a:xfrm>
+          <a:off x="0" y="0"/>
+          <a:ext cx="0" cy="0"/>
+          <a:chOff x="0" y="0"/>
+          <a:chExt cx="0" cy="0"/>
+        </a:xfrm>
+      </p:grpSpPr>
+      <p:sp>
+        <p:nvSpPr>
+          <p:cNvPr id="10" name="Заголовок 9">
+            <a:extLst>
+              <a:ext uri="{FF2B5EF4-FFF2-40B4-BE49-F238E27FC236}">
+                <a16:creationId xmlns:a16="http://schemas.microsoft.com/office/drawing/2014/main" xmlns="" id="{802E7923-B17C-4C6E-9395-05B988143F9F}"/>
+              </a:ext>
+            </a:extLst>
+          </p:cNvPr>
+          <p:cNvSpPr>
+            <a:spLocks noGrp="1"/>
+          </p:cNvSpPr>
+          <p:nvPr>
+            <p:ph type="title"/>
+          </p:nvPr>
+        </p:nvSpPr>
+        <p:spPr/>
+        <p:txBody>
+          <a:bodyPr/>
+          <a:lstStyle/>
+          <a:p>
+            <a:r>
+              <a:rPr lang="ru-RU" dirty="0"/>
+              <a:t>Пример использования. Внешнее </a:t>
+            </a:r>
+            <a:r>
+              <a:rPr lang="ru-RU" dirty="0" smtClean="0"/>
+              <a:t>представление. 2</a:t>
+            </a:r>
             <a:endParaRPr lang="ru-RU" dirty="0"/>
           </a:p>
         </p:txBody>
@@ -3422,7 +4640,7 @@
           <p:cNvPr id="5" name="Объект 4">
             <a:extLst>
               <a:ext uri="{FF2B5EF4-FFF2-40B4-BE49-F238E27FC236}">
-                <a16:creationId xmlns:a16="http://schemas.microsoft.com/office/drawing/2014/main" id="{42C7AC81-BAF3-486A-90FB-970BA55004B3}"/>
+                <a16:creationId xmlns:a16="http://schemas.microsoft.com/office/drawing/2014/main" xmlns="" id="{42C7AC81-BAF3-486A-90FB-970BA55004B3}"/>
               </a:ext>
             </a:extLst>
           </p:cNvPr>
@@ -3456,10 +4674,17 @@
   <p:clrMapOvr>
     <a:masterClrMapping/>
   </p:clrMapOvr>
+  <p:timing>
+    <p:tnLst>
+      <p:par>
+        <p:cTn id="1" dur="indefinite" restart="never" nodeType="tmRoot"/>
+      </p:par>
+    </p:tnLst>
+  </p:timing>
 </p:sld>
 </file>
 
-<file path=ppt/slides/slide11.xml><?xml version="1.0" encoding="utf-8"?>
+<file path=ppt/slides/slide21.xml><?xml version="1.0" encoding="utf-8"?>
 <p:sld xmlns:a="http://schemas.openxmlformats.org/drawingml/2006/main" xmlns:r="http://schemas.openxmlformats.org/officeDocument/2006/relationships" xmlns:p="http://schemas.openxmlformats.org/presentationml/2006/main">
   <p:cSld>
     <p:spTree>
@@ -3481,7 +4706,7 @@
           <p:cNvPr id="10" name="Заголовок 9">
             <a:extLst>
               <a:ext uri="{FF2B5EF4-FFF2-40B4-BE49-F238E27FC236}">
-                <a16:creationId xmlns:a16="http://schemas.microsoft.com/office/drawing/2014/main" id="{802E7923-B17C-4C6E-9395-05B988143F9F}"/>
+                <a16:creationId xmlns:a16="http://schemas.microsoft.com/office/drawing/2014/main" xmlns="" id="{802E7923-B17C-4C6E-9395-05B988143F9F}"/>
               </a:ext>
             </a:extLst>
           </p:cNvPr>
@@ -3497,7 +4722,15 @@
           <a:bodyPr/>
           <a:lstStyle/>
           <a:p>
-            <a:endParaRPr lang="ru-RU" dirty="0"/>
+            <a:r>
+              <a:rPr lang="ru-RU" dirty="0"/>
+              <a:t>Пример использования. Внешнее </a:t>
+            </a:r>
+            <a:r>
+              <a:rPr lang="ru-RU" dirty="0" smtClean="0"/>
+              <a:t>представление. 3</a:t>
+            </a:r>
+            <a:endParaRPr lang="ru-RU" b="1" dirty="0"/>
           </a:p>
         </p:txBody>
       </p:sp>
@@ -3506,7 +4739,7 @@
           <p:cNvPr id="6" name="Объект 5">
             <a:extLst>
               <a:ext uri="{FF2B5EF4-FFF2-40B4-BE49-F238E27FC236}">
-                <a16:creationId xmlns:a16="http://schemas.microsoft.com/office/drawing/2014/main" id="{37B8F06B-5EFF-4727-8C1E-57C8C192631C}"/>
+                <a16:creationId xmlns:a16="http://schemas.microsoft.com/office/drawing/2014/main" xmlns="" id="{37B8F06B-5EFF-4727-8C1E-57C8C192631C}"/>
               </a:ext>
             </a:extLst>
           </p:cNvPr>
@@ -3540,10 +4773,17 @@
   <p:clrMapOvr>
     <a:masterClrMapping/>
   </p:clrMapOvr>
+  <p:timing>
+    <p:tnLst>
+      <p:par>
+        <p:cTn id="1" dur="indefinite" restart="never" nodeType="tmRoot"/>
+      </p:par>
+    </p:tnLst>
+  </p:timing>
 </p:sld>
 </file>
 
-<file path=ppt/slides/slide12.xml><?xml version="1.0" encoding="utf-8"?>
+<file path=ppt/slides/slide22.xml><?xml version="1.0" encoding="utf-8"?>
 <p:sld xmlns:a="http://schemas.openxmlformats.org/drawingml/2006/main" xmlns:r="http://schemas.openxmlformats.org/officeDocument/2006/relationships" xmlns:p="http://schemas.openxmlformats.org/presentationml/2006/main">
   <p:cSld>
     <p:spTree>
@@ -3565,7 +4805,7 @@
           <p:cNvPr id="10" name="Заголовок 9">
             <a:extLst>
               <a:ext uri="{FF2B5EF4-FFF2-40B4-BE49-F238E27FC236}">
-                <a16:creationId xmlns:a16="http://schemas.microsoft.com/office/drawing/2014/main" id="{802E7923-B17C-4C6E-9395-05B988143F9F}"/>
+                <a16:creationId xmlns:a16="http://schemas.microsoft.com/office/drawing/2014/main" xmlns="" id="{802E7923-B17C-4C6E-9395-05B988143F9F}"/>
               </a:ext>
             </a:extLst>
           </p:cNvPr>
@@ -3581,6 +4821,14 @@
           <a:bodyPr/>
           <a:lstStyle/>
           <a:p>
+            <a:r>
+              <a:rPr lang="ru-RU" dirty="0"/>
+              <a:t>Пример использования. Внешнее </a:t>
+            </a:r>
+            <a:r>
+              <a:rPr lang="ru-RU" dirty="0" smtClean="0"/>
+              <a:t>представление. 4</a:t>
+            </a:r>
             <a:endParaRPr lang="ru-RU" dirty="0"/>
           </a:p>
         </p:txBody>
@@ -3590,7 +4838,7 @@
           <p:cNvPr id="5" name="Объект 4">
             <a:extLst>
               <a:ext uri="{FF2B5EF4-FFF2-40B4-BE49-F238E27FC236}">
-                <a16:creationId xmlns:a16="http://schemas.microsoft.com/office/drawing/2014/main" id="{D38111C0-C8F0-43AC-ADE0-D03140846C7E}"/>
+                <a16:creationId xmlns:a16="http://schemas.microsoft.com/office/drawing/2014/main" xmlns="" id="{D38111C0-C8F0-43AC-ADE0-D03140846C7E}"/>
               </a:ext>
             </a:extLst>
           </p:cNvPr>
@@ -3624,10 +4872,17 @@
   <p:clrMapOvr>
     <a:masterClrMapping/>
   </p:clrMapOvr>
+  <p:timing>
+    <p:tnLst>
+      <p:par>
+        <p:cTn id="1" dur="indefinite" restart="never" nodeType="tmRoot"/>
+      </p:par>
+    </p:tnLst>
+  </p:timing>
 </p:sld>
 </file>
 
-<file path=ppt/slides/slide2.xml><?xml version="1.0" encoding="utf-8"?>
+<file path=ppt/slides/slide23.xml><?xml version="1.0" encoding="utf-8"?>
 <p:sld xmlns:a="http://schemas.openxmlformats.org/drawingml/2006/main" xmlns:r="http://schemas.openxmlformats.org/officeDocument/2006/relationships" xmlns:p="http://schemas.openxmlformats.org/presentationml/2006/main">
   <p:cSld>
     <p:spTree>
@@ -3646,46 +4901,12 @@
       </p:grpSpPr>
       <p:sp>
         <p:nvSpPr>
-          <p:cNvPr id="2" name="Заголовок 1">
-            <a:extLst>
-              <a:ext uri="{FF2B5EF4-FFF2-40B4-BE49-F238E27FC236}">
-                <a16:creationId xmlns:a16="http://schemas.microsoft.com/office/drawing/2014/main" id="{24EA6CA9-109C-42E4-879F-C27817E9C296}"/>
-              </a:ext>
-            </a:extLst>
-          </p:cNvPr>
+          <p:cNvPr id="2" name="Заголовок 1"/>
           <p:cNvSpPr>
             <a:spLocks noGrp="1"/>
           </p:cNvSpPr>
           <p:nvPr>
             <p:ph type="title"/>
-          </p:nvPr>
-        </p:nvSpPr>
-        <p:spPr/>
-        <p:txBody>
-          <a:bodyPr/>
-          <a:lstStyle/>
-          <a:p>
-            <a:r>
-              <a:rPr lang="ru-RU" dirty="0"/>
-              <a:t>Определение</a:t>
-            </a:r>
-          </a:p>
-        </p:txBody>
-      </p:sp>
-      <p:sp>
-        <p:nvSpPr>
-          <p:cNvPr id="3" name="Объект 2">
-            <a:extLst>
-              <a:ext uri="{FF2B5EF4-FFF2-40B4-BE49-F238E27FC236}">
-                <a16:creationId xmlns:a16="http://schemas.microsoft.com/office/drawing/2014/main" id="{63A9983E-F379-44FD-812B-7BF16FF1AF74}"/>
-              </a:ext>
-            </a:extLst>
-          </p:cNvPr>
-          <p:cNvSpPr>
-            <a:spLocks noGrp="1"/>
-          </p:cNvSpPr>
-          <p:nvPr>
-            <p:ph idx="1"/>
           </p:nvPr>
         </p:nvSpPr>
         <p:spPr/>
@@ -3696,44 +4917,66 @@
           <a:lstStyle/>
           <a:p>
             <a:r>
-              <a:rPr lang="ru-RU" sz="2000" dirty="0"/>
-              <a:t>Декоратор (англ. </a:t>
-            </a:r>
-            <a:r>
-              <a:rPr lang="en-US" sz="2000" dirty="0"/>
-              <a:t>decorator/wrapper</a:t>
-            </a:r>
-            <a:r>
-              <a:rPr lang="ru-RU" sz="2000" dirty="0"/>
-              <a:t>)</a:t>
-            </a:r>
-            <a:r>
-              <a:rPr lang="en-US" sz="2000" dirty="0"/>
-              <a:t> </a:t>
-            </a:r>
-            <a:r>
-              <a:rPr lang="ru-RU" sz="2000" dirty="0"/>
-              <a:t>– структурный язык проектирования, предназначенный для динамического подключения дополнительного поведения к объекту.</a:t>
-            </a:r>
-          </a:p>
-          <a:p>
-            <a:r>
-              <a:rPr lang="ru-RU" sz="2000" dirty="0"/>
-              <a:t>Данный шаблон предоставляет гибкую альтернативу практике создания подклассов с целью расширения функциональности.</a:t>
-            </a:r>
-          </a:p>
-        </p:txBody>
-      </p:sp>
+              <a:rPr lang="ru-RU" dirty="0"/>
+              <a:t>Пример </a:t>
+            </a:r>
+            <a:r>
+              <a:rPr lang="ru-RU" dirty="0" smtClean="0"/>
+              <a:t>использования. внутреннее представление. </a:t>
+            </a:r>
+            <a:r>
+              <a:rPr lang="ru-RU" dirty="0"/>
+              <a:t>1</a:t>
+            </a:r>
+          </a:p>
+        </p:txBody>
+      </p:sp>
+      <p:pic>
+        <p:nvPicPr>
+          <p:cNvPr id="4" name="Объект 3"/>
+          <p:cNvPicPr>
+            <a:picLocks noGrp="1" noChangeAspect="1"/>
+          </p:cNvPicPr>
+          <p:nvPr>
+            <p:ph idx="1"/>
+          </p:nvPr>
+        </p:nvPicPr>
+        <p:blipFill>
+          <a:blip r:embed="rId2">
+            <a:extLst>
+              <a:ext uri="{28A0092B-C50C-407E-A947-70E740481C1C}">
+                <a14:useLocalDpi xmlns:a14="http://schemas.microsoft.com/office/drawing/2010/main" val="0"/>
+              </a:ext>
+            </a:extLst>
+          </a:blip>
+          <a:stretch>
+            <a:fillRect/>
+          </a:stretch>
+        </p:blipFill>
+        <p:spPr>
+          <a:xfrm>
+            <a:off x="4076399" y="2638425"/>
+            <a:ext cx="4039202" cy="3101975"/>
+          </a:xfrm>
+        </p:spPr>
+      </p:pic>
     </p:spTree>
     <p:extLst>
       <p:ext uri="{BB962C8B-B14F-4D97-AF65-F5344CB8AC3E}">
-        <p14:creationId xmlns:p14="http://schemas.microsoft.com/office/powerpoint/2010/main" val="2243976627"/>
+        <p14:creationId xmlns:p14="http://schemas.microsoft.com/office/powerpoint/2010/main" val="3630656212"/>
       </p:ext>
     </p:extLst>
   </p:cSld>
   <p:clrMapOvr>
     <a:masterClrMapping/>
   </p:clrMapOvr>
+  <p:timing>
+    <p:tnLst>
+      <p:par>
+        <p:cTn id="1" dur="indefinite" restart="never" nodeType="tmRoot"/>
+      </p:par>
+    </p:tnLst>
+  </p:timing>
 </p:sld>
 </file>
 
@@ -3759,7 +5002,7 @@
           <p:cNvPr id="4" name="Заголовок 3">
             <a:extLst>
               <a:ext uri="{FF2B5EF4-FFF2-40B4-BE49-F238E27FC236}">
-                <a16:creationId xmlns:a16="http://schemas.microsoft.com/office/drawing/2014/main" id="{E659F33F-FEB9-43BC-AF71-9CC905C18371}"/>
+                <a16:creationId xmlns:a16="http://schemas.microsoft.com/office/drawing/2014/main" xmlns="" id="{E659F33F-FEB9-43BC-AF71-9CC905C18371}"/>
               </a:ext>
             </a:extLst>
           </p:cNvPr>
@@ -3787,7 +5030,7 @@
           <p:cNvPr id="5" name="Текст 4">
             <a:extLst>
               <a:ext uri="{FF2B5EF4-FFF2-40B4-BE49-F238E27FC236}">
-                <a16:creationId xmlns:a16="http://schemas.microsoft.com/office/drawing/2014/main" id="{C23A4B27-B680-46D6-B82B-A6213174C959}"/>
+                <a16:creationId xmlns:a16="http://schemas.microsoft.com/office/drawing/2014/main" xmlns="" id="{C23A4B27-B680-46D6-B82B-A6213174C959}"/>
               </a:ext>
             </a:extLst>
           </p:cNvPr>
@@ -3803,7 +5046,7 @@
           <a:bodyPr/>
           <a:lstStyle/>
           <a:p>
-            <a:endParaRPr lang="ru-RU"/>
+            <a:endParaRPr lang="ru-RU" dirty="0"/>
           </a:p>
         </p:txBody>
       </p:sp>
@@ -3817,6 +5060,13 @@
   <p:clrMapOvr>
     <a:masterClrMapping/>
   </p:clrMapOvr>
+  <p:timing>
+    <p:tnLst>
+      <p:par>
+        <p:cTn id="1" dur="indefinite" restart="never" nodeType="tmRoot"/>
+      </p:par>
+    </p:tnLst>
+  </p:timing>
 </p:sld>
 </file>
 
@@ -3842,7 +5092,7 @@
           <p:cNvPr id="2" name="Заголовок 1">
             <a:extLst>
               <a:ext uri="{FF2B5EF4-FFF2-40B4-BE49-F238E27FC236}">
-                <a16:creationId xmlns:a16="http://schemas.microsoft.com/office/drawing/2014/main" id="{3EB12D70-BFF5-4EEA-9731-0A6CCB054307}"/>
+                <a16:creationId xmlns:a16="http://schemas.microsoft.com/office/drawing/2014/main" xmlns="" id="{3EB12D70-BFF5-4EEA-9731-0A6CCB054307}"/>
               </a:ext>
             </a:extLst>
           </p:cNvPr>
@@ -3870,7 +5120,7 @@
           <p:cNvPr id="6" name="Объект 5">
             <a:extLst>
               <a:ext uri="{FF2B5EF4-FFF2-40B4-BE49-F238E27FC236}">
-                <a16:creationId xmlns:a16="http://schemas.microsoft.com/office/drawing/2014/main" id="{A67955A4-30FC-4C08-88A3-E04939CC6DCB}"/>
+                <a16:creationId xmlns:a16="http://schemas.microsoft.com/office/drawing/2014/main" xmlns="" id="{A67955A4-30FC-4C08-88A3-E04939CC6DCB}"/>
               </a:ext>
             </a:extLst>
           </p:cNvPr>
@@ -3906,7 +5156,7 @@
           <p:cNvPr id="7" name="Текст 6">
             <a:extLst>
               <a:ext uri="{FF2B5EF4-FFF2-40B4-BE49-F238E27FC236}">
-                <a16:creationId xmlns:a16="http://schemas.microsoft.com/office/drawing/2014/main" id="{713D4439-F9DC-46A0-AC1C-C32EF8B66A0E}"/>
+                <a16:creationId xmlns:a16="http://schemas.microsoft.com/office/drawing/2014/main" xmlns="" id="{713D4439-F9DC-46A0-AC1C-C32EF8B66A0E}"/>
               </a:ext>
             </a:extLst>
           </p:cNvPr>
@@ -3922,7 +5172,7 @@
           <a:bodyPr/>
           <a:lstStyle/>
           <a:p>
-            <a:endParaRPr lang="ru-RU"/>
+            <a:endParaRPr lang="ru-RU" dirty="0"/>
           </a:p>
         </p:txBody>
       </p:sp>
@@ -3936,6 +5186,13 @@
   <p:clrMapOvr>
     <a:masterClrMapping/>
   </p:clrMapOvr>
+  <p:timing>
+    <p:tnLst>
+      <p:par>
+        <p:cTn id="1" dur="indefinite" restart="never" nodeType="tmRoot"/>
+      </p:par>
+    </p:tnLst>
+  </p:timing>
 </p:sld>
 </file>
 
@@ -3961,7 +5218,7 @@
           <p:cNvPr id="2" name="Заголовок 1">
             <a:extLst>
               <a:ext uri="{FF2B5EF4-FFF2-40B4-BE49-F238E27FC236}">
-                <a16:creationId xmlns:a16="http://schemas.microsoft.com/office/drawing/2014/main" id="{7B8197A0-9BD0-40D5-A1F6-E2F99482CB54}"/>
+                <a16:creationId xmlns:a16="http://schemas.microsoft.com/office/drawing/2014/main" xmlns="" id="{7B8197A0-9BD0-40D5-A1F6-E2F99482CB54}"/>
               </a:ext>
             </a:extLst>
           </p:cNvPr>
@@ -3989,7 +5246,7 @@
           <p:cNvPr id="3" name="Объект 2">
             <a:extLst>
               <a:ext uri="{FF2B5EF4-FFF2-40B4-BE49-F238E27FC236}">
-                <a16:creationId xmlns:a16="http://schemas.microsoft.com/office/drawing/2014/main" id="{A81901F8-C6FF-40C7-B0B5-96CFCD5D6649}"/>
+                <a16:creationId xmlns:a16="http://schemas.microsoft.com/office/drawing/2014/main" xmlns="" id="{A81901F8-C6FF-40C7-B0B5-96CFCD5D6649}"/>
               </a:ext>
             </a:extLst>
           </p:cNvPr>
@@ -4025,7 +5282,7 @@
           <p:cNvPr id="4" name="Текст 3">
             <a:extLst>
               <a:ext uri="{FF2B5EF4-FFF2-40B4-BE49-F238E27FC236}">
-                <a16:creationId xmlns:a16="http://schemas.microsoft.com/office/drawing/2014/main" id="{7EB18E76-73EC-4DF3-A3C3-F7A0895E946F}"/>
+                <a16:creationId xmlns:a16="http://schemas.microsoft.com/office/drawing/2014/main" xmlns="" id="{7EB18E76-73EC-4DF3-A3C3-F7A0895E946F}"/>
               </a:ext>
             </a:extLst>
           </p:cNvPr>
@@ -4041,7 +5298,7 @@
           <a:bodyPr/>
           <a:lstStyle/>
           <a:p>
-            <a:endParaRPr lang="ru-RU"/>
+            <a:endParaRPr lang="ru-RU" dirty="0"/>
           </a:p>
         </p:txBody>
       </p:sp>
@@ -4055,6 +5312,13 @@
   <p:clrMapOvr>
     <a:masterClrMapping/>
   </p:clrMapOvr>
+  <p:timing>
+    <p:tnLst>
+      <p:par>
+        <p:cTn id="1" dur="indefinite" restart="never" nodeType="tmRoot"/>
+      </p:par>
+    </p:tnLst>
+  </p:timing>
 </p:sld>
 </file>
 
@@ -4080,7 +5344,7 @@
           <p:cNvPr id="5" name="Заголовок 4">
             <a:extLst>
               <a:ext uri="{FF2B5EF4-FFF2-40B4-BE49-F238E27FC236}">
-                <a16:creationId xmlns:a16="http://schemas.microsoft.com/office/drawing/2014/main" id="{0BFD0FFA-7836-4353-97CC-4A28B185E3AD}"/>
+                <a16:creationId xmlns:a16="http://schemas.microsoft.com/office/drawing/2014/main" xmlns="" id="{0BFD0FFA-7836-4353-97CC-4A28B185E3AD}"/>
               </a:ext>
             </a:extLst>
           </p:cNvPr>
@@ -4108,7 +5372,7 @@
           <p:cNvPr id="6" name="Текст 5">
             <a:extLst>
               <a:ext uri="{FF2B5EF4-FFF2-40B4-BE49-F238E27FC236}">
-                <a16:creationId xmlns:a16="http://schemas.microsoft.com/office/drawing/2014/main" id="{7668A478-B9CB-496F-B467-0690F4208546}"/>
+                <a16:creationId xmlns:a16="http://schemas.microsoft.com/office/drawing/2014/main" xmlns="" id="{7668A478-B9CB-496F-B467-0690F4208546}"/>
               </a:ext>
             </a:extLst>
           </p:cNvPr>
@@ -4124,7 +5388,7 @@
           <a:bodyPr/>
           <a:lstStyle/>
           <a:p>
-            <a:endParaRPr lang="ru-RU"/>
+            <a:endParaRPr lang="ru-RU" dirty="0"/>
           </a:p>
         </p:txBody>
       </p:sp>
@@ -4138,6 +5402,13 @@
   <p:clrMapOvr>
     <a:masterClrMapping/>
   </p:clrMapOvr>
+  <p:timing>
+    <p:tnLst>
+      <p:par>
+        <p:cTn id="1" dur="indefinite" restart="never" nodeType="tmRoot"/>
+      </p:par>
+    </p:tnLst>
+  </p:timing>
 </p:sld>
 </file>
 
@@ -4163,7 +5434,7 @@
           <p:cNvPr id="4" name="Заголовок 3">
             <a:extLst>
               <a:ext uri="{FF2B5EF4-FFF2-40B4-BE49-F238E27FC236}">
-                <a16:creationId xmlns:a16="http://schemas.microsoft.com/office/drawing/2014/main" id="{C9CA75C5-F154-40F3-986C-CB4E599373A7}"/>
+                <a16:creationId xmlns:a16="http://schemas.microsoft.com/office/drawing/2014/main" xmlns="" id="{C9CA75C5-F154-40F3-986C-CB4E599373A7}"/>
               </a:ext>
             </a:extLst>
           </p:cNvPr>
@@ -4191,7 +5462,7 @@
           <p:cNvPr id="5" name="Объект 4">
             <a:extLst>
               <a:ext uri="{FF2B5EF4-FFF2-40B4-BE49-F238E27FC236}">
-                <a16:creationId xmlns:a16="http://schemas.microsoft.com/office/drawing/2014/main" id="{2963A4F1-7BCB-45B3-A5A7-062D30025818}"/>
+                <a16:creationId xmlns:a16="http://schemas.microsoft.com/office/drawing/2014/main" xmlns="" id="{2963A4F1-7BCB-45B3-A5A7-062D30025818}"/>
               </a:ext>
             </a:extLst>
           </p:cNvPr>
@@ -4217,7 +5488,7 @@
               <a:t>Класс </a:t>
             </a:r>
             <a:r>
-              <a:rPr lang="en-US" b="0" dirty="0" err="1">
+              <a:rPr lang="en-US" b="0" dirty="0" err="1" smtClean="0">
                 <a:solidFill>
                   <a:srgbClr val="202122"/>
                 </a:solidFill>
@@ -4226,21 +5497,40 @@
               <a:t>Concrete</a:t>
             </a:r>
             <a:r>
-              <a:rPr lang="en-US" dirty="0" err="1">
+              <a:rPr lang="en-US" dirty="0" err="1" smtClean="0">
                 <a:solidFill>
                   <a:srgbClr val="202122"/>
                 </a:solidFill>
               </a:rPr>
-              <a:t>Decorator</a:t>
-            </a:r>
-            <a:r>
-              <a:rPr lang="en-US" b="0" i="1" dirty="0">
+              <a:t>Component</a:t>
+            </a:r>
+            <a:r>
+              <a:rPr lang="en-US" b="0" i="1" dirty="0" smtClean="0">
                 <a:solidFill>
                   <a:srgbClr val="202122"/>
                 </a:solidFill>
                 <a:effectLst/>
               </a:rPr>
-              <a:t> - </a:t>
+              <a:t> </a:t>
+            </a:r>
+            <a:r>
+              <a:rPr lang="en-US" b="0" i="1" dirty="0">
+                <a:solidFill>
+                  <a:srgbClr val="202122"/>
+                </a:solidFill>
+                <a:effectLst/>
+                <a:latin typeface="Corbel" pitchFamily="34" charset="0"/>
+              </a:rPr>
+              <a:t>-</a:t>
+            </a:r>
+            <a:r>
+              <a:rPr lang="en-US" b="0" i="1" dirty="0">
+                <a:solidFill>
+                  <a:srgbClr val="202122"/>
+                </a:solidFill>
+                <a:effectLst/>
+              </a:rPr>
+              <a:t> </a:t>
             </a:r>
             <a:r>
               <a:rPr lang="ru-RU" b="0" i="0" dirty="0">
@@ -4268,8 +5558,14 @@
               <a:t>IComponent</a:t>
             </a:r>
             <a:r>
+              <a:rPr lang="ru-RU" dirty="0">
+                <a:latin typeface="Corbel" pitchFamily="34" charset="0"/>
+              </a:rPr>
+              <a:t>,</a:t>
+            </a:r>
+            <a:r>
               <a:rPr lang="ru-RU" dirty="0"/>
-              <a:t>, так и быть полностью самостоятельным.</a:t>
+              <a:t> так и быть полностью самостоятельным.</a:t>
             </a:r>
           </a:p>
         </p:txBody>
@@ -4279,7 +5575,7 @@
           <p:cNvPr id="6" name="Текст 5">
             <a:extLst>
               <a:ext uri="{FF2B5EF4-FFF2-40B4-BE49-F238E27FC236}">
-                <a16:creationId xmlns:a16="http://schemas.microsoft.com/office/drawing/2014/main" id="{24B1A662-1EAA-4966-A101-71745294B004}"/>
+                <a16:creationId xmlns:a16="http://schemas.microsoft.com/office/drawing/2014/main" xmlns="" id="{24B1A662-1EAA-4966-A101-71745294B004}"/>
               </a:ext>
             </a:extLst>
           </p:cNvPr>
@@ -4309,6 +5605,13 @@
   <p:clrMapOvr>
     <a:masterClrMapping/>
   </p:clrMapOvr>
+  <p:timing>
+    <p:tnLst>
+      <p:par>
+        <p:cTn id="1" dur="indefinite" restart="never" nodeType="tmRoot"/>
+      </p:par>
+    </p:tnLst>
+  </p:timing>
 </p:sld>
 </file>
 
@@ -4334,7 +5637,7 @@
           <p:cNvPr id="4" name="Заголовок 3">
             <a:extLst>
               <a:ext uri="{FF2B5EF4-FFF2-40B4-BE49-F238E27FC236}">
-                <a16:creationId xmlns:a16="http://schemas.microsoft.com/office/drawing/2014/main" id="{C9CA75C5-F154-40F3-986C-CB4E599373A7}"/>
+                <a16:creationId xmlns:a16="http://schemas.microsoft.com/office/drawing/2014/main" xmlns="" id="{C9CA75C5-F154-40F3-986C-CB4E599373A7}"/>
               </a:ext>
             </a:extLst>
           </p:cNvPr>
@@ -4362,7 +5665,7 @@
           <p:cNvPr id="5" name="Объект 4">
             <a:extLst>
               <a:ext uri="{FF2B5EF4-FFF2-40B4-BE49-F238E27FC236}">
-                <a16:creationId xmlns:a16="http://schemas.microsoft.com/office/drawing/2014/main" id="{2963A4F1-7BCB-45B3-A5A7-062D30025818}"/>
+                <a16:creationId xmlns:a16="http://schemas.microsoft.com/office/drawing/2014/main" xmlns="" id="{2963A4F1-7BCB-45B3-A5A7-062D30025818}"/>
               </a:ext>
             </a:extLst>
           </p:cNvPr>
@@ -4450,7 +5753,7 @@
               <a:t>ConcreteComponent</a:t>
             </a:r>
             <a:r>
-              <a:rPr lang="ru-RU" b="0" i="0" dirty="0">
+              <a:rPr lang="ru-RU" b="0" i="0" dirty="0" smtClean="0">
                 <a:solidFill>
                   <a:srgbClr val="202122"/>
                 </a:solidFill>
@@ -4458,6 +5761,14 @@
               </a:rPr>
               <a:t>.</a:t>
             </a:r>
+            <a:endParaRPr lang="en-US" b="0" i="0" dirty="0" smtClean="0">
+              <a:solidFill>
+                <a:srgbClr val="202122"/>
+              </a:solidFill>
+              <a:effectLst/>
+            </a:endParaRPr>
+          </a:p>
+          <a:p>
             <a:endParaRPr lang="en-US" b="0" i="0" dirty="0">
               <a:solidFill>
                 <a:srgbClr val="202122"/>
@@ -4465,20 +5776,6 @@
               <a:effectLst/>
             </a:endParaRPr>
           </a:p>
-          <a:p>
-            <a:r>
-              <a:rPr lang="ru-RU" dirty="0"/>
-              <a:t>Данный класс может как наследоваться от интерфейса </a:t>
-            </a:r>
-            <a:r>
-              <a:rPr lang="en-US" dirty="0" err="1"/>
-              <a:t>IComponent</a:t>
-            </a:r>
-            <a:r>
-              <a:rPr lang="ru-RU" dirty="0"/>
-              <a:t>, так и быть полностью самостоятельным.</a:t>
-            </a:r>
-          </a:p>
         </p:txBody>
       </p:sp>
       <p:sp>
@@ -4486,7 +5783,7 @@
           <p:cNvPr id="6" name="Текст 5">
             <a:extLst>
               <a:ext uri="{FF2B5EF4-FFF2-40B4-BE49-F238E27FC236}">
-                <a16:creationId xmlns:a16="http://schemas.microsoft.com/office/drawing/2014/main" id="{24B1A662-1EAA-4966-A101-71745294B004}"/>
+                <a16:creationId xmlns:a16="http://schemas.microsoft.com/office/drawing/2014/main" xmlns="" id="{24B1A662-1EAA-4966-A101-71745294B004}"/>
               </a:ext>
             </a:extLst>
           </p:cNvPr>
@@ -4516,6 +5813,13 @@
   <p:clrMapOvr>
     <a:masterClrMapping/>
   </p:clrMapOvr>
+  <p:timing>
+    <p:tnLst>
+      <p:par>
+        <p:cTn id="1" dur="indefinite" restart="never" nodeType="tmRoot"/>
+      </p:par>
+    </p:tnLst>
+  </p:timing>
 </p:sld>
 </file>
 
@@ -4538,10 +5842,10 @@
       </p:grpSpPr>
       <p:sp>
         <p:nvSpPr>
-          <p:cNvPr id="10" name="Заголовок 9">
+          <p:cNvPr id="4" name="Заголовок 3">
             <a:extLst>
               <a:ext uri="{FF2B5EF4-FFF2-40B4-BE49-F238E27FC236}">
-                <a16:creationId xmlns:a16="http://schemas.microsoft.com/office/drawing/2014/main" id="{802E7923-B17C-4C6E-9395-05B988143F9F}"/>
+                <a16:creationId xmlns:a16="http://schemas.microsoft.com/office/drawing/2014/main" xmlns="" id="{C9CA75C5-F154-40F3-986C-CB4E599373A7}"/>
               </a:ext>
             </a:extLst>
           </p:cNvPr>
@@ -4557,49 +5861,226 @@
           <a:bodyPr/>
           <a:lstStyle/>
           <a:p>
-            <a:endParaRPr lang="ru-RU" dirty="0"/>
-          </a:p>
-        </p:txBody>
-      </p:sp>
-      <p:pic>
-        <p:nvPicPr>
-          <p:cNvPr id="16" name="Объект 15">
+            <a:r>
+              <a:rPr lang="ru-RU" dirty="0"/>
+              <a:t>Участники</a:t>
+            </a:r>
+          </a:p>
+        </p:txBody>
+      </p:sp>
+      <p:sp>
+        <p:nvSpPr>
+          <p:cNvPr id="5" name="Объект 4">
             <a:extLst>
               <a:ext uri="{FF2B5EF4-FFF2-40B4-BE49-F238E27FC236}">
-                <a16:creationId xmlns:a16="http://schemas.microsoft.com/office/drawing/2014/main" id="{B1FC8934-3443-4D21-816A-1B82E343926B}"/>
+                <a16:creationId xmlns:a16="http://schemas.microsoft.com/office/drawing/2014/main" xmlns="" id="{2963A4F1-7BCB-45B3-A5A7-062D30025818}"/>
               </a:ext>
             </a:extLst>
           </p:cNvPr>
-          <p:cNvPicPr>
-            <a:picLocks noGrp="1" noChangeAspect="1"/>
-          </p:cNvPicPr>
+          <p:cNvSpPr>
+            <a:spLocks noGrp="1"/>
+          </p:cNvSpPr>
           <p:nvPr>
             <p:ph idx="1"/>
           </p:nvPr>
-        </p:nvPicPr>
-        <p:blipFill>
-          <a:blip r:embed="rId2"/>
-          <a:stretch>
-            <a:fillRect/>
-          </a:stretch>
-        </p:blipFill>
-        <p:spPr>
-          <a:xfrm>
-            <a:off x="4083816" y="2638425"/>
-            <a:ext cx="4024368" cy="3101975"/>
-          </a:xfrm>
-        </p:spPr>
-      </p:pic>
+        </p:nvSpPr>
+        <p:spPr/>
+        <p:txBody>
+          <a:bodyPr anchor="ctr"/>
+          <a:lstStyle/>
+          <a:p>
+            <a:r>
+              <a:rPr lang="ru-RU" b="0" i="0" dirty="0" smtClean="0">
+                <a:solidFill>
+                  <a:srgbClr val="202122"/>
+                </a:solidFill>
+                <a:effectLst/>
+              </a:rPr>
+              <a:t>Класс</a:t>
+            </a:r>
+            <a:r>
+              <a:rPr lang="ru-RU" b="0" i="0" dirty="0">
+                <a:solidFill>
+                  <a:srgbClr val="202122"/>
+                </a:solidFill>
+                <a:effectLst/>
+              </a:rPr>
+              <a:t> </a:t>
+            </a:r>
+            <a:r>
+              <a:rPr lang="en-US" b="0" i="0" dirty="0" err="1" smtClean="0">
+                <a:solidFill>
+                  <a:srgbClr val="202122"/>
+                </a:solidFill>
+                <a:effectLst/>
+              </a:rPr>
+              <a:t>ConcreteDecorator</a:t>
+            </a:r>
+            <a:r>
+              <a:rPr lang="en-US" b="0" i="0" dirty="0" smtClean="0">
+                <a:solidFill>
+                  <a:srgbClr val="202122"/>
+                </a:solidFill>
+                <a:effectLst/>
+              </a:rPr>
+              <a:t> </a:t>
+            </a:r>
+            <a:r>
+              <a:rPr lang="en-US" b="0" i="1" dirty="0" smtClean="0">
+                <a:solidFill>
+                  <a:srgbClr val="202122"/>
+                </a:solidFill>
+                <a:effectLst/>
+              </a:rPr>
+              <a:t>-</a:t>
+            </a:r>
+            <a:r>
+              <a:rPr lang="ru-RU" b="0" i="1" dirty="0" smtClean="0">
+                <a:solidFill>
+                  <a:srgbClr val="202122"/>
+                </a:solidFill>
+                <a:effectLst/>
+              </a:rPr>
+              <a:t> </a:t>
+            </a:r>
+            <a:r>
+              <a:rPr lang="ru-RU" b="0" dirty="0" smtClean="0">
+                <a:solidFill>
+                  <a:srgbClr val="202122"/>
+                </a:solidFill>
+                <a:effectLst/>
+              </a:rPr>
+              <a:t>класс</a:t>
+            </a:r>
+            <a:r>
+              <a:rPr lang="ru-RU" b="0" i="0" dirty="0" smtClean="0">
+                <a:solidFill>
+                  <a:srgbClr val="202122"/>
+                </a:solidFill>
+                <a:effectLst/>
+              </a:rPr>
+              <a:t>, </a:t>
+            </a:r>
+            <a:r>
+              <a:rPr lang="ru-RU" dirty="0" smtClean="0">
+                <a:solidFill>
+                  <a:srgbClr val="202122"/>
+                </a:solidFill>
+              </a:rPr>
+              <a:t>реализующий </a:t>
+            </a:r>
+            <a:r>
+              <a:rPr lang="ru-RU" b="0" i="0" dirty="0" smtClean="0">
+                <a:solidFill>
+                  <a:srgbClr val="202122"/>
+                </a:solidFill>
+                <a:effectLst/>
+              </a:rPr>
+              <a:t>новую </a:t>
+            </a:r>
+            <a:r>
+              <a:rPr lang="ru-RU" b="0" i="0" dirty="0">
+                <a:solidFill>
+                  <a:srgbClr val="202122"/>
+                </a:solidFill>
+                <a:effectLst/>
+              </a:rPr>
+              <a:t>функциональность для </a:t>
+            </a:r>
+            <a:r>
+              <a:rPr lang="en-US" b="0" i="0" dirty="0" err="1" smtClean="0">
+                <a:solidFill>
+                  <a:srgbClr val="202122"/>
+                </a:solidFill>
+                <a:effectLst/>
+              </a:rPr>
+              <a:t>ConcreteComponent</a:t>
+            </a:r>
+            <a:r>
+              <a:rPr lang="ru-RU" b="0" i="0" dirty="0" smtClean="0">
+                <a:solidFill>
+                  <a:srgbClr val="202122"/>
+                </a:solidFill>
+                <a:effectLst/>
+              </a:rPr>
+              <a:t>. Наследуется от </a:t>
+            </a:r>
+            <a:r>
+              <a:rPr lang="en-US" b="0" i="0" dirty="0" err="1" smtClean="0">
+                <a:solidFill>
+                  <a:srgbClr val="202122"/>
+                </a:solidFill>
+                <a:effectLst/>
+              </a:rPr>
+              <a:t>IDecorator</a:t>
+            </a:r>
+            <a:r>
+              <a:rPr lang="en-US" dirty="0">
+                <a:solidFill>
+                  <a:srgbClr val="202122"/>
+                </a:solidFill>
+              </a:rPr>
+              <a:t>.</a:t>
+            </a:r>
+            <a:endParaRPr lang="en-US" b="0" i="0" dirty="0" smtClean="0">
+              <a:solidFill>
+                <a:srgbClr val="202122"/>
+              </a:solidFill>
+              <a:effectLst/>
+            </a:endParaRPr>
+          </a:p>
+          <a:p>
+            <a:endParaRPr lang="en-US" b="0" i="0" dirty="0">
+              <a:solidFill>
+                <a:srgbClr val="202122"/>
+              </a:solidFill>
+              <a:effectLst/>
+            </a:endParaRPr>
+          </a:p>
+        </p:txBody>
+      </p:sp>
+      <p:sp>
+        <p:nvSpPr>
+          <p:cNvPr id="6" name="Текст 5">
+            <a:extLst>
+              <a:ext uri="{FF2B5EF4-FFF2-40B4-BE49-F238E27FC236}">
+                <a16:creationId xmlns:a16="http://schemas.microsoft.com/office/drawing/2014/main" xmlns="" id="{24B1A662-1EAA-4966-A101-71745294B004}"/>
+              </a:ext>
+            </a:extLst>
+          </p:cNvPr>
+          <p:cNvSpPr>
+            <a:spLocks noGrp="1"/>
+          </p:cNvSpPr>
+          <p:nvPr>
+            <p:ph type="body" sz="half" idx="2"/>
+          </p:nvPr>
+        </p:nvSpPr>
+        <p:spPr/>
+        <p:txBody>
+          <a:bodyPr/>
+          <a:lstStyle/>
+          <a:p>
+            <a:endParaRPr lang="ru-RU"/>
+          </a:p>
+        </p:txBody>
+      </p:sp>
     </p:spTree>
     <p:extLst>
       <p:ext uri="{BB962C8B-B14F-4D97-AF65-F5344CB8AC3E}">
-        <p14:creationId xmlns:p14="http://schemas.microsoft.com/office/powerpoint/2010/main" val="2050366804"/>
+        <p14:creationId xmlns:p14="http://schemas.microsoft.com/office/powerpoint/2010/main" val="1432175958"/>
       </p:ext>
     </p:extLst>
   </p:cSld>
   <p:clrMapOvr>
     <a:masterClrMapping/>
   </p:clrMapOvr>
+  <p:timing>
+    <p:tnLst>
+      <p:par>
+        <p:cTn id="1" dur="indefinite" restart="never" nodeType="tmRoot"/>
+      </p:par>
+    </p:tnLst>
+  </p:timing>
 </p:sld>
 </file>
 
@@ -4646,7 +6127,7 @@
     </a:clrScheme>
     <a:fontScheme name="Посылка">
       <a:majorFont>
-        <a:latin typeface="Gill Sans MT" panose="020B0502020104020203"/>
+        <a:latin typeface="Gill Sans MT"/>
         <a:ea typeface=""/>
         <a:cs typeface=""/>
         <a:font script="Grek" typeface="Corbel"/>
@@ -4683,7 +6164,7 @@
         <a:font script="Geor" typeface="Sylfaen"/>
       </a:majorFont>
       <a:minorFont>
-        <a:latin typeface="Gill Sans MT" panose="020B0502020104020203"/>
+        <a:latin typeface="Gill Sans MT"/>
         <a:ea typeface=""/>
         <a:cs typeface=""/>
         <a:font script="Grek" typeface="Corbel"/>
@@ -4857,7 +6338,7 @@
   <a:extraClrSchemeLst/>
   <a:extLst>
     <a:ext uri="{05A4C25C-085E-4340-85A3-A5531E510DB2}">
-      <thm15:themeFamily xmlns:thm15="http://schemas.microsoft.com/office/thememl/2012/main" name="Parcel" id="{8BEC4385-4EB9-4D53-BFB5-0EA123736B6D}" vid="{4DB32801-28C0-48B0-8C1D-A9A58613615A}"/>
+      <thm15:themeFamily xmlns:thm15="http://schemas.microsoft.com/office/thememl/2012/main" xmlns="" name="Parcel" id="{8BEC4385-4EB9-4D53-BFB5-0EA123736B6D}" vid="{4DB32801-28C0-48B0-8C1D-A9A58613615A}"/>
     </a:ext>
   </a:extLst>
 </a:theme>
